--- a/00_evolution_of_information_technology/00_evolution_of_information_technology.pptx
+++ b/00_evolution_of_information_technology/00_evolution_of_information_technology.pptx
@@ -142,1588 +142,6 @@
 </p1510:revInfo>
 </file>
 
-<file path=ppt/changesInfos/changesInfo1.xml><?xml version="1.0" encoding="utf-8"?>
-<pc:chgInfo xmlns:a="http://schemas.openxmlformats.org/drawingml/2006/main" xmlns:r="http://schemas.openxmlformats.org/officeDocument/2006/relationships" xmlns:ac="http://schemas.microsoft.com/office/drawing/2013/main/command" xmlns:pc="http://schemas.microsoft.com/office/powerpoint/2013/main/command">
-  <pc:docChgLst>
-    <pc:chgData name="Borislav Varadinov" userId="aeafa21bd817e69b" providerId="LiveId" clId="{13496EEF-CFB6-471E-9150-A66391E16C25}"/>
-    <pc:docChg chg="undo custSel addSld delSld modSld sldOrd">
-      <pc:chgData name="Borislav Varadinov" userId="aeafa21bd817e69b" providerId="LiveId" clId="{13496EEF-CFB6-471E-9150-A66391E16C25}" dt="2020-09-27T16:28:11.878" v="5272" actId="20577"/>
-      <pc:docMkLst>
-        <pc:docMk/>
-      </pc:docMkLst>
-      <pc:sldChg chg="modSp mod">
-        <pc:chgData name="Borislav Varadinov" userId="aeafa21bd817e69b" providerId="LiveId" clId="{13496EEF-CFB6-471E-9150-A66391E16C25}" dt="2020-09-27T13:21:49.100" v="678" actId="6549"/>
-        <pc:sldMkLst>
-          <pc:docMk/>
-          <pc:sldMk cId="109968442" sldId="256"/>
-        </pc:sldMkLst>
-        <pc:spChg chg="mod">
-          <ac:chgData name="Borislav Varadinov" userId="aeafa21bd817e69b" providerId="LiveId" clId="{13496EEF-CFB6-471E-9150-A66391E16C25}" dt="2020-09-27T12:44:24.721" v="44" actId="20577"/>
-          <ac:spMkLst>
-            <pc:docMk/>
-            <pc:sldMk cId="109968442" sldId="256"/>
-            <ac:spMk id="2" creationId="{77B45D40-1EFF-448F-BF37-2077EA323AF4}"/>
-          </ac:spMkLst>
-        </pc:spChg>
-        <pc:spChg chg="mod">
-          <ac:chgData name="Borislav Varadinov" userId="aeafa21bd817e69b" providerId="LiveId" clId="{13496EEF-CFB6-471E-9150-A66391E16C25}" dt="2020-09-27T13:21:49.100" v="678" actId="6549"/>
-          <ac:spMkLst>
-            <pc:docMk/>
-            <pc:sldMk cId="109968442" sldId="256"/>
-            <ac:spMk id="3" creationId="{45B08140-004C-408A-A62B-CD4C35891880}"/>
-          </ac:spMkLst>
-        </pc:spChg>
-      </pc:sldChg>
-      <pc:sldChg chg="del">
-        <pc:chgData name="Borislav Varadinov" userId="aeafa21bd817e69b" providerId="LiveId" clId="{13496EEF-CFB6-471E-9150-A66391E16C25}" dt="2020-09-27T13:17:18.669" v="525" actId="47"/>
-        <pc:sldMkLst>
-          <pc:docMk/>
-          <pc:sldMk cId="1403322539" sldId="257"/>
-        </pc:sldMkLst>
-      </pc:sldChg>
-      <pc:sldChg chg="modSp new mod">
-        <pc:chgData name="Borislav Varadinov" userId="aeafa21bd817e69b" providerId="LiveId" clId="{13496EEF-CFB6-471E-9150-A66391E16C25}" dt="2020-09-27T15:30:04.454" v="3980" actId="20577"/>
-        <pc:sldMkLst>
-          <pc:docMk/>
-          <pc:sldMk cId="2867181286" sldId="258"/>
-        </pc:sldMkLst>
-        <pc:spChg chg="mod">
-          <ac:chgData name="Borislav Varadinov" userId="aeafa21bd817e69b" providerId="LiveId" clId="{13496EEF-CFB6-471E-9150-A66391E16C25}" dt="2020-09-27T15:20:56.336" v="3659" actId="20577"/>
-          <ac:spMkLst>
-            <pc:docMk/>
-            <pc:sldMk cId="2867181286" sldId="258"/>
-            <ac:spMk id="2" creationId="{230CF242-EF9D-42F8-94E8-6434FBAF96A9}"/>
-          </ac:spMkLst>
-        </pc:spChg>
-        <pc:spChg chg="mod">
-          <ac:chgData name="Borislav Varadinov" userId="aeafa21bd817e69b" providerId="LiveId" clId="{13496EEF-CFB6-471E-9150-A66391E16C25}" dt="2020-09-27T15:30:04.454" v="3980" actId="20577"/>
-          <ac:spMkLst>
-            <pc:docMk/>
-            <pc:sldMk cId="2867181286" sldId="258"/>
-            <ac:spMk id="3" creationId="{483BEEE9-721A-432F-9A2A-44BCC66C5009}"/>
-          </ac:spMkLst>
-        </pc:spChg>
-      </pc:sldChg>
-      <pc:sldChg chg="del">
-        <pc:chgData name="Borislav Varadinov" userId="aeafa21bd817e69b" providerId="LiveId" clId="{13496EEF-CFB6-471E-9150-A66391E16C25}" dt="2020-09-27T12:44:09.333" v="0" actId="47"/>
-        <pc:sldMkLst>
-          <pc:docMk/>
-          <pc:sldMk cId="3413173669" sldId="258"/>
-        </pc:sldMkLst>
-      </pc:sldChg>
-      <pc:sldChg chg="modSp new mod">
-        <pc:chgData name="Borislav Varadinov" userId="aeafa21bd817e69b" providerId="LiveId" clId="{13496EEF-CFB6-471E-9150-A66391E16C25}" dt="2020-09-27T13:17:26.816" v="534" actId="20577"/>
-        <pc:sldMkLst>
-          <pc:docMk/>
-          <pc:sldMk cId="34843731" sldId="259"/>
-        </pc:sldMkLst>
-        <pc:spChg chg="mod">
-          <ac:chgData name="Borislav Varadinov" userId="aeafa21bd817e69b" providerId="LiveId" clId="{13496EEF-CFB6-471E-9150-A66391E16C25}" dt="2020-09-27T13:17:26.816" v="534" actId="20577"/>
-          <ac:spMkLst>
-            <pc:docMk/>
-            <pc:sldMk cId="34843731" sldId="259"/>
-            <ac:spMk id="2" creationId="{6CA28928-96CF-4F0F-8DA6-5FF367E778DB}"/>
-          </ac:spMkLst>
-        </pc:spChg>
-        <pc:spChg chg="mod">
-          <ac:chgData name="Borislav Varadinov" userId="aeafa21bd817e69b" providerId="LiveId" clId="{13496EEF-CFB6-471E-9150-A66391E16C25}" dt="2020-09-27T13:16:49.252" v="524" actId="20577"/>
-          <ac:spMkLst>
-            <pc:docMk/>
-            <pc:sldMk cId="34843731" sldId="259"/>
-            <ac:spMk id="3" creationId="{D6B3E8BB-1F65-4940-A497-97581F745474}"/>
-          </ac:spMkLst>
-        </pc:spChg>
-      </pc:sldChg>
-      <pc:sldChg chg="del">
-        <pc:chgData name="Borislav Varadinov" userId="aeafa21bd817e69b" providerId="LiveId" clId="{13496EEF-CFB6-471E-9150-A66391E16C25}" dt="2020-09-27T12:44:10.192" v="3" actId="47"/>
-        <pc:sldMkLst>
-          <pc:docMk/>
-          <pc:sldMk cId="2219730991" sldId="259"/>
-        </pc:sldMkLst>
-      </pc:sldChg>
-      <pc:sldChg chg="modSp new del mod">
-        <pc:chgData name="Borislav Varadinov" userId="aeafa21bd817e69b" providerId="LiveId" clId="{13496EEF-CFB6-471E-9150-A66391E16C25}" dt="2020-09-27T15:45:46.312" v="4247" actId="47"/>
-        <pc:sldMkLst>
-          <pc:docMk/>
-          <pc:sldMk cId="2245181241" sldId="260"/>
-        </pc:sldMkLst>
-        <pc:spChg chg="mod">
-          <ac:chgData name="Borislav Varadinov" userId="aeafa21bd817e69b" providerId="LiveId" clId="{13496EEF-CFB6-471E-9150-A66391E16C25}" dt="2020-09-27T13:50:10.291" v="1736" actId="21"/>
-          <ac:spMkLst>
-            <pc:docMk/>
-            <pc:sldMk cId="2245181241" sldId="260"/>
-            <ac:spMk id="3" creationId="{D2AE424A-B0EE-46EB-B806-4F2BC341BEC5}"/>
-          </ac:spMkLst>
-        </pc:spChg>
-      </pc:sldChg>
-      <pc:sldChg chg="del">
-        <pc:chgData name="Borislav Varadinov" userId="aeafa21bd817e69b" providerId="LiveId" clId="{13496EEF-CFB6-471E-9150-A66391E16C25}" dt="2020-09-27T12:44:10.364" v="4" actId="47"/>
-        <pc:sldMkLst>
-          <pc:docMk/>
-          <pc:sldMk cId="2856446636" sldId="260"/>
-        </pc:sldMkLst>
-      </pc:sldChg>
-      <pc:sldChg chg="modSp new mod ord">
-        <pc:chgData name="Borislav Varadinov" userId="aeafa21bd817e69b" providerId="LiveId" clId="{13496EEF-CFB6-471E-9150-A66391E16C25}" dt="2020-09-27T15:56:49.974" v="4769"/>
-        <pc:sldMkLst>
-          <pc:docMk/>
-          <pc:sldMk cId="2142514050" sldId="261"/>
-        </pc:sldMkLst>
-        <pc:spChg chg="mod">
-          <ac:chgData name="Borislav Varadinov" userId="aeafa21bd817e69b" providerId="LiveId" clId="{13496EEF-CFB6-471E-9150-A66391E16C25}" dt="2020-09-27T13:33:57.836" v="1365" actId="313"/>
-          <ac:spMkLst>
-            <pc:docMk/>
-            <pc:sldMk cId="2142514050" sldId="261"/>
-            <ac:spMk id="2" creationId="{F79D15BF-645D-4E11-A714-5B01C18BD0E3}"/>
-          </ac:spMkLst>
-        </pc:spChg>
-        <pc:spChg chg="mod">
-          <ac:chgData name="Borislav Varadinov" userId="aeafa21bd817e69b" providerId="LiveId" clId="{13496EEF-CFB6-471E-9150-A66391E16C25}" dt="2020-09-27T15:17:37.094" v="3329" actId="20577"/>
-          <ac:spMkLst>
-            <pc:docMk/>
-            <pc:sldMk cId="2142514050" sldId="261"/>
-            <ac:spMk id="3" creationId="{872A9BC6-AA16-4C18-AE16-B1BA7C9FE318}"/>
-          </ac:spMkLst>
-        </pc:spChg>
-      </pc:sldChg>
-      <pc:sldChg chg="modSp new mod">
-        <pc:chgData name="Borislav Varadinov" userId="aeafa21bd817e69b" providerId="LiveId" clId="{13496EEF-CFB6-471E-9150-A66391E16C25}" dt="2020-09-27T13:22:57.006" v="728"/>
-        <pc:sldMkLst>
-          <pc:docMk/>
-          <pc:sldMk cId="1583961322" sldId="262"/>
-        </pc:sldMkLst>
-        <pc:spChg chg="mod">
-          <ac:chgData name="Borislav Varadinov" userId="aeafa21bd817e69b" providerId="LiveId" clId="{13496EEF-CFB6-471E-9150-A66391E16C25}" dt="2020-09-27T13:21:16.498" v="608" actId="20577"/>
-          <ac:spMkLst>
-            <pc:docMk/>
-            <pc:sldMk cId="1583961322" sldId="262"/>
-            <ac:spMk id="2" creationId="{961A4640-DDB4-4070-B41A-06E47D52A650}"/>
-          </ac:spMkLst>
-        </pc:spChg>
-        <pc:spChg chg="mod">
-          <ac:chgData name="Borislav Varadinov" userId="aeafa21bd817e69b" providerId="LiveId" clId="{13496EEF-CFB6-471E-9150-A66391E16C25}" dt="2020-09-27T13:22:57.006" v="728"/>
-          <ac:spMkLst>
-            <pc:docMk/>
-            <pc:sldMk cId="1583961322" sldId="262"/>
-            <ac:spMk id="3" creationId="{316BAADA-20BB-418B-90D2-568184C09FA4}"/>
-          </ac:spMkLst>
-        </pc:spChg>
-      </pc:sldChg>
-      <pc:sldChg chg="modSp new mod">
-        <pc:chgData name="Borislav Varadinov" userId="aeafa21bd817e69b" providerId="LiveId" clId="{13496EEF-CFB6-471E-9150-A66391E16C25}" dt="2020-09-27T14:07:37.003" v="2100" actId="20577"/>
-        <pc:sldMkLst>
-          <pc:docMk/>
-          <pc:sldMk cId="993321172" sldId="263"/>
-        </pc:sldMkLst>
-        <pc:spChg chg="mod">
-          <ac:chgData name="Borislav Varadinov" userId="aeafa21bd817e69b" providerId="LiveId" clId="{13496EEF-CFB6-471E-9150-A66391E16C25}" dt="2020-09-27T13:48:21.899" v="1678" actId="20577"/>
-          <ac:spMkLst>
-            <pc:docMk/>
-            <pc:sldMk cId="993321172" sldId="263"/>
-            <ac:spMk id="2" creationId="{A26F2210-9A1B-46F2-9B1C-726C6592BB63}"/>
-          </ac:spMkLst>
-        </pc:spChg>
-        <pc:spChg chg="mod">
-          <ac:chgData name="Borislav Varadinov" userId="aeafa21bd817e69b" providerId="LiveId" clId="{13496EEF-CFB6-471E-9150-A66391E16C25}" dt="2020-09-27T14:07:37.003" v="2100" actId="20577"/>
-          <ac:spMkLst>
-            <pc:docMk/>
-            <pc:sldMk cId="993321172" sldId="263"/>
-            <ac:spMk id="3" creationId="{25F310BB-9E8F-4ACE-B5C1-CF1716919201}"/>
-          </ac:spMkLst>
-        </pc:spChg>
-      </pc:sldChg>
-      <pc:sldChg chg="del">
-        <pc:chgData name="Borislav Varadinov" userId="aeafa21bd817e69b" providerId="LiveId" clId="{13496EEF-CFB6-471E-9150-A66391E16C25}" dt="2020-09-27T12:44:09.411" v="1" actId="47"/>
-        <pc:sldMkLst>
-          <pc:docMk/>
-          <pc:sldMk cId="1474797124" sldId="263"/>
-        </pc:sldMkLst>
-      </pc:sldChg>
-      <pc:sldChg chg="addSp delSp modSp new mod ord">
-        <pc:chgData name="Borislav Varadinov" userId="aeafa21bd817e69b" providerId="LiveId" clId="{13496EEF-CFB6-471E-9150-A66391E16C25}" dt="2020-09-27T16:16:36.507" v="5045" actId="20577"/>
-        <pc:sldMkLst>
-          <pc:docMk/>
-          <pc:sldMk cId="417105363" sldId="264"/>
-        </pc:sldMkLst>
-        <pc:spChg chg="mod">
-          <ac:chgData name="Borislav Varadinov" userId="aeafa21bd817e69b" providerId="LiveId" clId="{13496EEF-CFB6-471E-9150-A66391E16C25}" dt="2020-09-27T16:12:43.471" v="5002" actId="20577"/>
-          <ac:spMkLst>
-            <pc:docMk/>
-            <pc:sldMk cId="417105363" sldId="264"/>
-            <ac:spMk id="2" creationId="{7E39676D-741A-4714-AE77-E8A1C466FE8C}"/>
-          </ac:spMkLst>
-        </pc:spChg>
-        <pc:spChg chg="del mod">
-          <ac:chgData name="Borislav Varadinov" userId="aeafa21bd817e69b" providerId="LiveId" clId="{13496EEF-CFB6-471E-9150-A66391E16C25}" dt="2020-09-27T14:43:39.122" v="2819" actId="478"/>
-          <ac:spMkLst>
-            <pc:docMk/>
-            <pc:sldMk cId="417105363" sldId="264"/>
-            <ac:spMk id="3" creationId="{404149F7-5A92-4840-AFA9-5D46D995BB65}"/>
-          </ac:spMkLst>
-        </pc:spChg>
-        <pc:spChg chg="add mod">
-          <ac:chgData name="Borislav Varadinov" userId="aeafa21bd817e69b" providerId="LiveId" clId="{13496EEF-CFB6-471E-9150-A66391E16C25}" dt="2020-09-27T16:13:50.235" v="5025" actId="6549"/>
-          <ac:spMkLst>
-            <pc:docMk/>
-            <pc:sldMk cId="417105363" sldId="264"/>
-            <ac:spMk id="9" creationId="{62FA5DD8-3DD0-4014-9E64-2BA34AF39F02}"/>
-          </ac:spMkLst>
-        </pc:spChg>
-        <pc:spChg chg="add mod">
-          <ac:chgData name="Borislav Varadinov" userId="aeafa21bd817e69b" providerId="LiveId" clId="{13496EEF-CFB6-471E-9150-A66391E16C25}" dt="2020-09-27T14:57:05.340" v="3025" actId="1076"/>
-          <ac:spMkLst>
-            <pc:docMk/>
-            <pc:sldMk cId="417105363" sldId="264"/>
-            <ac:spMk id="12" creationId="{7775C293-82A6-4A48-A9F5-1F1F8BC51B4B}"/>
-          </ac:spMkLst>
-        </pc:spChg>
-        <pc:spChg chg="add mod">
-          <ac:chgData name="Borislav Varadinov" userId="aeafa21bd817e69b" providerId="LiveId" clId="{13496EEF-CFB6-471E-9150-A66391E16C25}" dt="2020-09-27T14:57:05.340" v="3025" actId="1076"/>
-          <ac:spMkLst>
-            <pc:docMk/>
-            <pc:sldMk cId="417105363" sldId="264"/>
-            <ac:spMk id="17" creationId="{A91F55FE-C484-409B-8B8A-A0ABF8363707}"/>
-          </ac:spMkLst>
-        </pc:spChg>
-        <pc:spChg chg="add mod">
-          <ac:chgData name="Borislav Varadinov" userId="aeafa21bd817e69b" providerId="LiveId" clId="{13496EEF-CFB6-471E-9150-A66391E16C25}" dt="2020-09-27T14:57:05.340" v="3025" actId="1076"/>
-          <ac:spMkLst>
-            <pc:docMk/>
-            <pc:sldMk cId="417105363" sldId="264"/>
-            <ac:spMk id="22" creationId="{9CD18BDC-6C82-4F1C-A305-32A724FABC41}"/>
-          </ac:spMkLst>
-        </pc:spChg>
-        <pc:spChg chg="add mod">
-          <ac:chgData name="Borislav Varadinov" userId="aeafa21bd817e69b" providerId="LiveId" clId="{13496EEF-CFB6-471E-9150-A66391E16C25}" dt="2020-09-27T14:57:05.340" v="3025" actId="1076"/>
-          <ac:spMkLst>
-            <pc:docMk/>
-            <pc:sldMk cId="417105363" sldId="264"/>
-            <ac:spMk id="26" creationId="{55ABEDF8-BCDB-449F-B7B4-344DE6014305}"/>
-          </ac:spMkLst>
-        </pc:spChg>
-        <pc:spChg chg="add mod">
-          <ac:chgData name="Borislav Varadinov" userId="aeafa21bd817e69b" providerId="LiveId" clId="{13496EEF-CFB6-471E-9150-A66391E16C25}" dt="2020-09-27T14:57:05.340" v="3025" actId="1076"/>
-          <ac:spMkLst>
-            <pc:docMk/>
-            <pc:sldMk cId="417105363" sldId="264"/>
-            <ac:spMk id="30" creationId="{13E92E23-E0B1-4909-9CF7-DB589A081FB3}"/>
-          </ac:spMkLst>
-        </pc:spChg>
-        <pc:spChg chg="add del mod">
-          <ac:chgData name="Borislav Varadinov" userId="aeafa21bd817e69b" providerId="LiveId" clId="{13496EEF-CFB6-471E-9150-A66391E16C25}" dt="2020-09-27T14:36:31.527" v="2578" actId="22"/>
-          <ac:spMkLst>
-            <pc:docMk/>
-            <pc:sldMk cId="417105363" sldId="264"/>
-            <ac:spMk id="35" creationId="{1A450B0D-70A5-41F0-B8AB-3006E9C424B8}"/>
-          </ac:spMkLst>
-        </pc:spChg>
-        <pc:spChg chg="add mod">
-          <ac:chgData name="Borislav Varadinov" userId="aeafa21bd817e69b" providerId="LiveId" clId="{13496EEF-CFB6-471E-9150-A66391E16C25}" dt="2020-09-27T16:16:36.507" v="5045" actId="20577"/>
-          <ac:spMkLst>
-            <pc:docMk/>
-            <pc:sldMk cId="417105363" sldId="264"/>
-            <ac:spMk id="44" creationId="{B69960B2-6E2A-4DA1-A49A-E3346C8F9FDB}"/>
-          </ac:spMkLst>
-        </pc:spChg>
-        <pc:spChg chg="add del mod">
-          <ac:chgData name="Borislav Varadinov" userId="aeafa21bd817e69b" providerId="LiveId" clId="{13496EEF-CFB6-471E-9150-A66391E16C25}" dt="2020-09-27T14:38:36.934" v="2616" actId="478"/>
-          <ac:spMkLst>
-            <pc:docMk/>
-            <pc:sldMk cId="417105363" sldId="264"/>
-            <ac:spMk id="46" creationId="{2AEFF91C-E9BF-4080-8103-231C8F492E46}"/>
-          </ac:spMkLst>
-        </pc:spChg>
-        <pc:spChg chg="add mod">
-          <ac:chgData name="Borislav Varadinov" userId="aeafa21bd817e69b" providerId="LiveId" clId="{13496EEF-CFB6-471E-9150-A66391E16C25}" dt="2020-09-27T14:57:05.340" v="3025" actId="1076"/>
-          <ac:spMkLst>
-            <pc:docMk/>
-            <pc:sldMk cId="417105363" sldId="264"/>
-            <ac:spMk id="50" creationId="{C36FB4D8-4E83-4938-B54B-E6987F7AFBF7}"/>
-          </ac:spMkLst>
-        </pc:spChg>
-        <pc:spChg chg="add mod">
-          <ac:chgData name="Borislav Varadinov" userId="aeafa21bd817e69b" providerId="LiveId" clId="{13496EEF-CFB6-471E-9150-A66391E16C25}" dt="2020-09-27T14:57:05.340" v="3025" actId="1076"/>
-          <ac:spMkLst>
-            <pc:docMk/>
-            <pc:sldMk cId="417105363" sldId="264"/>
-            <ac:spMk id="54" creationId="{CD49848A-FE1B-4DFF-B9B7-65212C8ED5C1}"/>
-          </ac:spMkLst>
-        </pc:spChg>
-        <pc:spChg chg="add mod">
-          <ac:chgData name="Borislav Varadinov" userId="aeafa21bd817e69b" providerId="LiveId" clId="{13496EEF-CFB6-471E-9150-A66391E16C25}" dt="2020-09-27T14:57:05.340" v="3025" actId="1076"/>
-          <ac:spMkLst>
-            <pc:docMk/>
-            <pc:sldMk cId="417105363" sldId="264"/>
-            <ac:spMk id="58" creationId="{05B67207-1C0D-4128-9597-062328E92F60}"/>
-          </ac:spMkLst>
-        </pc:spChg>
-        <pc:spChg chg="add mod">
-          <ac:chgData name="Borislav Varadinov" userId="aeafa21bd817e69b" providerId="LiveId" clId="{13496EEF-CFB6-471E-9150-A66391E16C25}" dt="2020-09-27T14:57:05.340" v="3025" actId="1076"/>
-          <ac:spMkLst>
-            <pc:docMk/>
-            <pc:sldMk cId="417105363" sldId="264"/>
-            <ac:spMk id="64" creationId="{24E3F8D9-82A7-42A5-B7CC-176F4C304C89}"/>
-          </ac:spMkLst>
-        </pc:spChg>
-        <pc:spChg chg="add mod">
-          <ac:chgData name="Borislav Varadinov" userId="aeafa21bd817e69b" providerId="LiveId" clId="{13496EEF-CFB6-471E-9150-A66391E16C25}" dt="2020-09-27T14:57:05.340" v="3025" actId="1076"/>
-          <ac:spMkLst>
-            <pc:docMk/>
-            <pc:sldMk cId="417105363" sldId="264"/>
-            <ac:spMk id="68" creationId="{6CB1D16B-3264-46EA-9CF9-0F2B4D3DD691}"/>
-          </ac:spMkLst>
-        </pc:spChg>
-        <pc:spChg chg="add mod">
-          <ac:chgData name="Borislav Varadinov" userId="aeafa21bd817e69b" providerId="LiveId" clId="{13496EEF-CFB6-471E-9150-A66391E16C25}" dt="2020-09-27T14:57:05.340" v="3025" actId="1076"/>
-          <ac:spMkLst>
-            <pc:docMk/>
-            <pc:sldMk cId="417105363" sldId="264"/>
-            <ac:spMk id="73" creationId="{477EC6D5-B2C2-4782-9C41-341DB90B21BA}"/>
-          </ac:spMkLst>
-        </pc:spChg>
-        <pc:spChg chg="add mod">
-          <ac:chgData name="Borislav Varadinov" userId="aeafa21bd817e69b" providerId="LiveId" clId="{13496EEF-CFB6-471E-9150-A66391E16C25}" dt="2020-09-27T14:57:05.340" v="3025" actId="1076"/>
-          <ac:spMkLst>
-            <pc:docMk/>
-            <pc:sldMk cId="417105363" sldId="264"/>
-            <ac:spMk id="77" creationId="{9A6ABFF8-44C1-4E1C-90DE-86972E6D2A1E}"/>
-          </ac:spMkLst>
-        </pc:spChg>
-        <pc:spChg chg="add mod">
-          <ac:chgData name="Borislav Varadinov" userId="aeafa21bd817e69b" providerId="LiveId" clId="{13496EEF-CFB6-471E-9150-A66391E16C25}" dt="2020-09-27T15:05:02.668" v="3027" actId="1076"/>
-          <ac:spMkLst>
-            <pc:docMk/>
-            <pc:sldMk cId="417105363" sldId="264"/>
-            <ac:spMk id="81" creationId="{3AA82FF0-047E-4665-9C43-0A61C7FC7B04}"/>
-          </ac:spMkLst>
-        </pc:spChg>
-        <pc:spChg chg="add mod">
-          <ac:chgData name="Borislav Varadinov" userId="aeafa21bd817e69b" providerId="LiveId" clId="{13496EEF-CFB6-471E-9150-A66391E16C25}" dt="2020-09-27T15:07:26.685" v="3080" actId="20577"/>
-          <ac:spMkLst>
-            <pc:docMk/>
-            <pc:sldMk cId="417105363" sldId="264"/>
-            <ac:spMk id="85" creationId="{379EC640-8355-408B-B0C2-39F0A89018C3}"/>
-          </ac:spMkLst>
-        </pc:spChg>
-        <pc:spChg chg="add mod">
-          <ac:chgData name="Borislav Varadinov" userId="aeafa21bd817e69b" providerId="LiveId" clId="{13496EEF-CFB6-471E-9150-A66391E16C25}" dt="2020-09-27T15:08:14.197" v="3121" actId="20577"/>
-          <ac:spMkLst>
-            <pc:docMk/>
-            <pc:sldMk cId="417105363" sldId="264"/>
-            <ac:spMk id="89" creationId="{DD7AFB92-24BD-4180-B714-6C6827504182}"/>
-          </ac:spMkLst>
-        </pc:spChg>
-        <pc:spChg chg="add del">
-          <ac:chgData name="Borislav Varadinov" userId="aeafa21bd817e69b" providerId="LiveId" clId="{13496EEF-CFB6-471E-9150-A66391E16C25}" dt="2020-09-27T14:48:56.408" v="2898" actId="22"/>
-          <ac:spMkLst>
-            <pc:docMk/>
-            <pc:sldMk cId="417105363" sldId="264"/>
-            <ac:spMk id="108" creationId="{2441AFED-2DA6-4135-AC3A-6B8777BEAA82}"/>
-          </ac:spMkLst>
-        </pc:spChg>
-        <pc:spChg chg="add mod">
-          <ac:chgData name="Borislav Varadinov" userId="aeafa21bd817e69b" providerId="LiveId" clId="{13496EEF-CFB6-471E-9150-A66391E16C25}" dt="2020-09-27T15:14:43.481" v="3269" actId="1076"/>
-          <ac:spMkLst>
-            <pc:docMk/>
-            <pc:sldMk cId="417105363" sldId="264"/>
-            <ac:spMk id="110" creationId="{AAAA75E8-74D1-4339-8574-B8515FF9F202}"/>
-          </ac:spMkLst>
-        </pc:spChg>
-        <pc:spChg chg="add del">
-          <ac:chgData name="Borislav Varadinov" userId="aeafa21bd817e69b" providerId="LiveId" clId="{13496EEF-CFB6-471E-9150-A66391E16C25}" dt="2020-09-27T14:49:49.860" v="2923" actId="22"/>
-          <ac:spMkLst>
-            <pc:docMk/>
-            <pc:sldMk cId="417105363" sldId="264"/>
-            <ac:spMk id="119" creationId="{41A12934-5729-47D4-80C6-EC9BDD94220A}"/>
-          </ac:spMkLst>
-        </pc:spChg>
-        <pc:spChg chg="add mod">
-          <ac:chgData name="Borislav Varadinov" userId="aeafa21bd817e69b" providerId="LiveId" clId="{13496EEF-CFB6-471E-9150-A66391E16C25}" dt="2020-09-27T14:52:32.189" v="2942" actId="571"/>
-          <ac:spMkLst>
-            <pc:docMk/>
-            <pc:sldMk cId="417105363" sldId="264"/>
-            <ac:spMk id="126" creationId="{C7042AFA-7EB7-4F41-9665-175CF7DE80CA}"/>
-          </ac:spMkLst>
-        </pc:spChg>
-        <pc:spChg chg="add mod">
-          <ac:chgData name="Borislav Varadinov" userId="aeafa21bd817e69b" providerId="LiveId" clId="{13496EEF-CFB6-471E-9150-A66391E16C25}" dt="2020-09-27T14:52:32.189" v="2942" actId="571"/>
-          <ac:spMkLst>
-            <pc:docMk/>
-            <pc:sldMk cId="417105363" sldId="264"/>
-            <ac:spMk id="128" creationId="{F949B787-E2BF-4D10-B6AC-92C30806923F}"/>
-          </ac:spMkLst>
-        </pc:spChg>
-        <pc:spChg chg="add mod">
-          <ac:chgData name="Borislav Varadinov" userId="aeafa21bd817e69b" providerId="LiveId" clId="{13496EEF-CFB6-471E-9150-A66391E16C25}" dt="2020-09-27T14:52:32.189" v="2942" actId="571"/>
-          <ac:spMkLst>
-            <pc:docMk/>
-            <pc:sldMk cId="417105363" sldId="264"/>
-            <ac:spMk id="130" creationId="{2E01F85F-57A8-47DA-B398-E4F202DBE349}"/>
-          </ac:spMkLst>
-        </pc:spChg>
-        <pc:spChg chg="add mod">
-          <ac:chgData name="Borislav Varadinov" userId="aeafa21bd817e69b" providerId="LiveId" clId="{13496EEF-CFB6-471E-9150-A66391E16C25}" dt="2020-09-27T14:52:32.189" v="2942" actId="571"/>
-          <ac:spMkLst>
-            <pc:docMk/>
-            <pc:sldMk cId="417105363" sldId="264"/>
-            <ac:spMk id="132" creationId="{A7892F8A-1AEE-4BD9-8FBE-E7DBBE582AED}"/>
-          </ac:spMkLst>
-        </pc:spChg>
-        <pc:spChg chg="add mod">
-          <ac:chgData name="Borislav Varadinov" userId="aeafa21bd817e69b" providerId="LiveId" clId="{13496EEF-CFB6-471E-9150-A66391E16C25}" dt="2020-09-27T14:52:32.189" v="2942" actId="571"/>
-          <ac:spMkLst>
-            <pc:docMk/>
-            <pc:sldMk cId="417105363" sldId="264"/>
-            <ac:spMk id="134" creationId="{C71D0431-095C-4770-BDB3-72D23092C4A2}"/>
-          </ac:spMkLst>
-        </pc:spChg>
-        <pc:spChg chg="add mod">
-          <ac:chgData name="Borislav Varadinov" userId="aeafa21bd817e69b" providerId="LiveId" clId="{13496EEF-CFB6-471E-9150-A66391E16C25}" dt="2020-09-27T14:52:36.324" v="2944" actId="571"/>
-          <ac:spMkLst>
-            <pc:docMk/>
-            <pc:sldMk cId="417105363" sldId="264"/>
-            <ac:spMk id="141" creationId="{82000660-AC68-4A16-BE31-FE7E94860E0F}"/>
-          </ac:spMkLst>
-        </pc:spChg>
-        <pc:spChg chg="add mod">
-          <ac:chgData name="Borislav Varadinov" userId="aeafa21bd817e69b" providerId="LiveId" clId="{13496EEF-CFB6-471E-9150-A66391E16C25}" dt="2020-09-27T14:52:36.324" v="2944" actId="571"/>
-          <ac:spMkLst>
-            <pc:docMk/>
-            <pc:sldMk cId="417105363" sldId="264"/>
-            <ac:spMk id="143" creationId="{A140BC7D-B910-414F-B289-9E5E231487EE}"/>
-          </ac:spMkLst>
-        </pc:spChg>
-        <pc:spChg chg="add mod">
-          <ac:chgData name="Borislav Varadinov" userId="aeafa21bd817e69b" providerId="LiveId" clId="{13496EEF-CFB6-471E-9150-A66391E16C25}" dt="2020-09-27T14:52:36.324" v="2944" actId="571"/>
-          <ac:spMkLst>
-            <pc:docMk/>
-            <pc:sldMk cId="417105363" sldId="264"/>
-            <ac:spMk id="145" creationId="{9B31709C-62F9-421F-A835-BC7AC3C8ABB0}"/>
-          </ac:spMkLst>
-        </pc:spChg>
-        <pc:spChg chg="add mod">
-          <ac:chgData name="Borislav Varadinov" userId="aeafa21bd817e69b" providerId="LiveId" clId="{13496EEF-CFB6-471E-9150-A66391E16C25}" dt="2020-09-27T14:52:36.324" v="2944" actId="571"/>
-          <ac:spMkLst>
-            <pc:docMk/>
-            <pc:sldMk cId="417105363" sldId="264"/>
-            <ac:spMk id="147" creationId="{841D2D20-0BCE-4E30-ADDC-AB6D57DE3C89}"/>
-          </ac:spMkLst>
-        </pc:spChg>
-        <pc:spChg chg="add mod">
-          <ac:chgData name="Borislav Varadinov" userId="aeafa21bd817e69b" providerId="LiveId" clId="{13496EEF-CFB6-471E-9150-A66391E16C25}" dt="2020-09-27T14:52:36.324" v="2944" actId="571"/>
-          <ac:spMkLst>
-            <pc:docMk/>
-            <pc:sldMk cId="417105363" sldId="264"/>
-            <ac:spMk id="149" creationId="{FAE7E254-B210-40EB-A28F-7B812A3AF5EF}"/>
-          </ac:spMkLst>
-        </pc:spChg>
-        <pc:spChg chg="add mod">
-          <ac:chgData name="Borislav Varadinov" userId="aeafa21bd817e69b" providerId="LiveId" clId="{13496EEF-CFB6-471E-9150-A66391E16C25}" dt="2020-09-27T14:52:51.564" v="2946" actId="571"/>
-          <ac:spMkLst>
-            <pc:docMk/>
-            <pc:sldMk cId="417105363" sldId="264"/>
-            <ac:spMk id="156" creationId="{F6B49286-9B83-4686-9CDB-5DB18327EC64}"/>
-          </ac:spMkLst>
-        </pc:spChg>
-        <pc:spChg chg="add mod">
-          <ac:chgData name="Borislav Varadinov" userId="aeafa21bd817e69b" providerId="LiveId" clId="{13496EEF-CFB6-471E-9150-A66391E16C25}" dt="2020-09-27T14:52:51.564" v="2946" actId="571"/>
-          <ac:spMkLst>
-            <pc:docMk/>
-            <pc:sldMk cId="417105363" sldId="264"/>
-            <ac:spMk id="158" creationId="{24D5E2B8-F9EE-415B-8A3A-72FEB40CF76E}"/>
-          </ac:spMkLst>
-        </pc:spChg>
-        <pc:spChg chg="add mod">
-          <ac:chgData name="Borislav Varadinov" userId="aeafa21bd817e69b" providerId="LiveId" clId="{13496EEF-CFB6-471E-9150-A66391E16C25}" dt="2020-09-27T14:52:51.564" v="2946" actId="571"/>
-          <ac:spMkLst>
-            <pc:docMk/>
-            <pc:sldMk cId="417105363" sldId="264"/>
-            <ac:spMk id="160" creationId="{54C83AB6-C6DF-4638-8BC7-99677B30B057}"/>
-          </ac:spMkLst>
-        </pc:spChg>
-        <pc:spChg chg="add mod">
-          <ac:chgData name="Borislav Varadinov" userId="aeafa21bd817e69b" providerId="LiveId" clId="{13496EEF-CFB6-471E-9150-A66391E16C25}" dt="2020-09-27T14:52:51.564" v="2946" actId="571"/>
-          <ac:spMkLst>
-            <pc:docMk/>
-            <pc:sldMk cId="417105363" sldId="264"/>
-            <ac:spMk id="162" creationId="{30859E6E-8BCE-4C98-A2C6-52149EA6A8AC}"/>
-          </ac:spMkLst>
-        </pc:spChg>
-        <pc:spChg chg="add mod">
-          <ac:chgData name="Borislav Varadinov" userId="aeafa21bd817e69b" providerId="LiveId" clId="{13496EEF-CFB6-471E-9150-A66391E16C25}" dt="2020-09-27T14:52:51.564" v="2946" actId="571"/>
-          <ac:spMkLst>
-            <pc:docMk/>
-            <pc:sldMk cId="417105363" sldId="264"/>
-            <ac:spMk id="164" creationId="{024D73A6-E086-4D24-9D56-C915A32B2565}"/>
-          </ac:spMkLst>
-        </pc:spChg>
-        <pc:spChg chg="add mod">
-          <ac:chgData name="Borislav Varadinov" userId="aeafa21bd817e69b" providerId="LiveId" clId="{13496EEF-CFB6-471E-9150-A66391E16C25}" dt="2020-09-27T14:52:51.564" v="2946" actId="571"/>
-          <ac:spMkLst>
-            <pc:docMk/>
-            <pc:sldMk cId="417105363" sldId="264"/>
-            <ac:spMk id="166" creationId="{8166DEDE-3C93-438B-A401-D23A9068B822}"/>
-          </ac:spMkLst>
-        </pc:spChg>
-        <pc:spChg chg="add mod">
-          <ac:chgData name="Borislav Varadinov" userId="aeafa21bd817e69b" providerId="LiveId" clId="{13496EEF-CFB6-471E-9150-A66391E16C25}" dt="2020-09-27T14:52:51.564" v="2946" actId="571"/>
-          <ac:spMkLst>
-            <pc:docMk/>
-            <pc:sldMk cId="417105363" sldId="264"/>
-            <ac:spMk id="168" creationId="{30BCF08C-3075-4DAC-B318-17FB7B7458D2}"/>
-          </ac:spMkLst>
-        </pc:spChg>
-        <pc:spChg chg="add mod">
-          <ac:chgData name="Borislav Varadinov" userId="aeafa21bd817e69b" providerId="LiveId" clId="{13496EEF-CFB6-471E-9150-A66391E16C25}" dt="2020-09-27T14:52:51.564" v="2946" actId="571"/>
-          <ac:spMkLst>
-            <pc:docMk/>
-            <pc:sldMk cId="417105363" sldId="264"/>
-            <ac:spMk id="170" creationId="{5EDBE64F-8661-4EE6-B7B0-B07E6E4B06C5}"/>
-          </ac:spMkLst>
-        </pc:spChg>
-        <pc:spChg chg="add mod">
-          <ac:chgData name="Borislav Varadinov" userId="aeafa21bd817e69b" providerId="LiveId" clId="{13496EEF-CFB6-471E-9150-A66391E16C25}" dt="2020-09-27T14:52:51.564" v="2946" actId="571"/>
-          <ac:spMkLst>
-            <pc:docMk/>
-            <pc:sldMk cId="417105363" sldId="264"/>
-            <ac:spMk id="172" creationId="{F5925764-BD21-4E1A-8E5F-20070935C575}"/>
-          </ac:spMkLst>
-        </pc:spChg>
-        <pc:spChg chg="add mod">
-          <ac:chgData name="Borislav Varadinov" userId="aeafa21bd817e69b" providerId="LiveId" clId="{13496EEF-CFB6-471E-9150-A66391E16C25}" dt="2020-09-27T14:52:51.564" v="2946" actId="571"/>
-          <ac:spMkLst>
-            <pc:docMk/>
-            <pc:sldMk cId="417105363" sldId="264"/>
-            <ac:spMk id="173" creationId="{9929425B-8744-4554-9EBC-67010DCE6786}"/>
-          </ac:spMkLst>
-        </pc:spChg>
-        <pc:spChg chg="add mod">
-          <ac:chgData name="Borislav Varadinov" userId="aeafa21bd817e69b" providerId="LiveId" clId="{13496EEF-CFB6-471E-9150-A66391E16C25}" dt="2020-09-27T14:57:05.340" v="3025" actId="1076"/>
-          <ac:spMkLst>
-            <pc:docMk/>
-            <pc:sldMk cId="417105363" sldId="264"/>
-            <ac:spMk id="178" creationId="{03E88CDA-8A8F-4634-97A9-7FDAEFF0CD10}"/>
-          </ac:spMkLst>
-        </pc:spChg>
-        <pc:spChg chg="add mod">
-          <ac:chgData name="Borislav Varadinov" userId="aeafa21bd817e69b" providerId="LiveId" clId="{13496EEF-CFB6-471E-9150-A66391E16C25}" dt="2020-09-27T15:05:13.553" v="3059" actId="20577"/>
-          <ac:spMkLst>
-            <pc:docMk/>
-            <pc:sldMk cId="417105363" sldId="264"/>
-            <ac:spMk id="211" creationId="{999A3810-30CE-4ED5-B4FA-665E0DF644FB}"/>
-          </ac:spMkLst>
-        </pc:spChg>
-        <pc:spChg chg="add mod">
-          <ac:chgData name="Borislav Varadinov" userId="aeafa21bd817e69b" providerId="LiveId" clId="{13496EEF-CFB6-471E-9150-A66391E16C25}" dt="2020-09-27T15:14:38.747" v="3268" actId="1076"/>
-          <ac:spMkLst>
-            <pc:docMk/>
-            <pc:sldMk cId="417105363" sldId="264"/>
-            <ac:spMk id="212" creationId="{8BBE810D-97B5-4400-BD5B-92DBACDBA809}"/>
-          </ac:spMkLst>
-        </pc:spChg>
-        <pc:spChg chg="add mod">
-          <ac:chgData name="Borislav Varadinov" userId="aeafa21bd817e69b" providerId="LiveId" clId="{13496EEF-CFB6-471E-9150-A66391E16C25}" dt="2020-09-27T15:16:56.373" v="3292" actId="20577"/>
-          <ac:spMkLst>
-            <pc:docMk/>
-            <pc:sldMk cId="417105363" sldId="264"/>
-            <ac:spMk id="213" creationId="{D28CD103-19BC-4F90-9283-A8B52BAB9049}"/>
-          </ac:spMkLst>
-        </pc:spChg>
-        <pc:cxnChg chg="add mod">
-          <ac:chgData name="Borislav Varadinov" userId="aeafa21bd817e69b" providerId="LiveId" clId="{13496EEF-CFB6-471E-9150-A66391E16C25}" dt="2020-09-27T16:13:39.529" v="5019" actId="14100"/>
-          <ac:cxnSpMkLst>
-            <pc:docMk/>
-            <pc:sldMk cId="417105363" sldId="264"/>
-            <ac:cxnSpMk id="5" creationId="{F69D6EA9-7D4F-4621-9C7D-10CB66C4BD22}"/>
-          </ac:cxnSpMkLst>
-        </pc:cxnChg>
-        <pc:cxnChg chg="add mod">
-          <ac:chgData name="Borislav Varadinov" userId="aeafa21bd817e69b" providerId="LiveId" clId="{13496EEF-CFB6-471E-9150-A66391E16C25}" dt="2020-09-27T15:15:50.755" v="3283" actId="14100"/>
-          <ac:cxnSpMkLst>
-            <pc:docMk/>
-            <pc:sldMk cId="417105363" sldId="264"/>
-            <ac:cxnSpMk id="7" creationId="{FD80B971-4107-443D-86F7-0DE6ED4503B9}"/>
-          </ac:cxnSpMkLst>
-        </pc:cxnChg>
-        <pc:cxnChg chg="add mod">
-          <ac:chgData name="Borislav Varadinov" userId="aeafa21bd817e69b" providerId="LiveId" clId="{13496EEF-CFB6-471E-9150-A66391E16C25}" dt="2020-09-27T15:15:48.354" v="3282" actId="14100"/>
-          <ac:cxnSpMkLst>
-            <pc:docMk/>
-            <pc:sldMk cId="417105363" sldId="264"/>
-            <ac:cxnSpMk id="13" creationId="{0F061431-DB01-44A6-A8C6-BF1BD522216F}"/>
-          </ac:cxnSpMkLst>
-        </pc:cxnChg>
-        <pc:cxnChg chg="add mod">
-          <ac:chgData name="Borislav Varadinov" userId="aeafa21bd817e69b" providerId="LiveId" clId="{13496EEF-CFB6-471E-9150-A66391E16C25}" dt="2020-09-27T16:13:29.394" v="5017" actId="1038"/>
-          <ac:cxnSpMkLst>
-            <pc:docMk/>
-            <pc:sldMk cId="417105363" sldId="264"/>
-            <ac:cxnSpMk id="14" creationId="{CB6C29BD-CFED-40DA-B738-DEA5D1A97E47}"/>
-          </ac:cxnSpMkLst>
-        </pc:cxnChg>
-        <pc:cxnChg chg="add mod">
-          <ac:chgData name="Borislav Varadinov" userId="aeafa21bd817e69b" providerId="LiveId" clId="{13496EEF-CFB6-471E-9150-A66391E16C25}" dt="2020-09-27T16:13:32.999" v="5018" actId="1037"/>
-          <ac:cxnSpMkLst>
-            <pc:docMk/>
-            <pc:sldMk cId="417105363" sldId="264"/>
-            <ac:cxnSpMk id="18" creationId="{281AC7D2-A214-4A26-ADB1-04108EF9C5B8}"/>
-          </ac:cxnSpMkLst>
-        </pc:cxnChg>
-        <pc:cxnChg chg="add mod">
-          <ac:chgData name="Borislav Varadinov" userId="aeafa21bd817e69b" providerId="LiveId" clId="{13496EEF-CFB6-471E-9150-A66391E16C25}" dt="2020-09-27T15:15:39.739" v="3279" actId="14100"/>
-          <ac:cxnSpMkLst>
-            <pc:docMk/>
-            <pc:sldMk cId="417105363" sldId="264"/>
-            <ac:cxnSpMk id="23" creationId="{3CAA26DB-C586-42A1-8FC3-65A8E8ED76A4}"/>
-          </ac:cxnSpMkLst>
-        </pc:cxnChg>
-        <pc:cxnChg chg="add mod">
-          <ac:chgData name="Borislav Varadinov" userId="aeafa21bd817e69b" providerId="LiveId" clId="{13496EEF-CFB6-471E-9150-A66391E16C25}" dt="2020-09-27T15:15:54.442" v="3284" actId="14100"/>
-          <ac:cxnSpMkLst>
-            <pc:docMk/>
-            <pc:sldMk cId="417105363" sldId="264"/>
-            <ac:cxnSpMk id="27" creationId="{3EA58712-7C28-4F1F-A282-33C8795149FF}"/>
-          </ac:cxnSpMkLst>
-        </pc:cxnChg>
-        <pc:cxnChg chg="add mod">
-          <ac:chgData name="Borislav Varadinov" userId="aeafa21bd817e69b" providerId="LiveId" clId="{13496EEF-CFB6-471E-9150-A66391E16C25}" dt="2020-09-27T15:15:57.338" v="3285" actId="14100"/>
-          <ac:cxnSpMkLst>
-            <pc:docMk/>
-            <pc:sldMk cId="417105363" sldId="264"/>
-            <ac:cxnSpMk id="41" creationId="{E2D944C0-98C3-4D17-8B59-27E072B0C62B}"/>
-          </ac:cxnSpMkLst>
-        </pc:cxnChg>
-        <pc:cxnChg chg="add del mod">
-          <ac:chgData name="Borislav Varadinov" userId="aeafa21bd817e69b" providerId="LiveId" clId="{13496EEF-CFB6-471E-9150-A66391E16C25}" dt="2020-09-27T14:38:36.934" v="2616" actId="478"/>
-          <ac:cxnSpMkLst>
-            <pc:docMk/>
-            <pc:sldMk cId="417105363" sldId="264"/>
-            <ac:cxnSpMk id="45" creationId="{2731D7DB-561F-4CD8-B1BB-C9308DF8E29A}"/>
-          </ac:cxnSpMkLst>
-        </pc:cxnChg>
-        <pc:cxnChg chg="add mod">
-          <ac:chgData name="Borislav Varadinov" userId="aeafa21bd817e69b" providerId="LiveId" clId="{13496EEF-CFB6-471E-9150-A66391E16C25}" dt="2020-09-27T15:16:00.166" v="3286" actId="14100"/>
-          <ac:cxnSpMkLst>
-            <pc:docMk/>
-            <pc:sldMk cId="417105363" sldId="264"/>
-            <ac:cxnSpMk id="47" creationId="{39F315C1-52F5-44BB-B0DF-1D943B542616}"/>
-          </ac:cxnSpMkLst>
-        </pc:cxnChg>
-        <pc:cxnChg chg="add mod">
-          <ac:chgData name="Borislav Varadinov" userId="aeafa21bd817e69b" providerId="LiveId" clId="{13496EEF-CFB6-471E-9150-A66391E16C25}" dt="2020-09-27T15:15:39.739" v="3279" actId="14100"/>
-          <ac:cxnSpMkLst>
-            <pc:docMk/>
-            <pc:sldMk cId="417105363" sldId="264"/>
-            <ac:cxnSpMk id="51" creationId="{0DF73EA6-E190-4A50-B322-DAF46F178328}"/>
-          </ac:cxnSpMkLst>
-        </pc:cxnChg>
-        <pc:cxnChg chg="add mod">
-          <ac:chgData name="Borislav Varadinov" userId="aeafa21bd817e69b" providerId="LiveId" clId="{13496EEF-CFB6-471E-9150-A66391E16C25}" dt="2020-09-27T16:13:11.359" v="5008" actId="1037"/>
-          <ac:cxnSpMkLst>
-            <pc:docMk/>
-            <pc:sldMk cId="417105363" sldId="264"/>
-            <ac:cxnSpMk id="55" creationId="{B78490B4-F522-4AF4-8857-FA3F3C1FF160}"/>
-          </ac:cxnSpMkLst>
-        </pc:cxnChg>
-        <pc:cxnChg chg="add mod">
-          <ac:chgData name="Borislav Varadinov" userId="aeafa21bd817e69b" providerId="LiveId" clId="{13496EEF-CFB6-471E-9150-A66391E16C25}" dt="2020-09-27T15:15:14.499" v="3275" actId="14100"/>
-          <ac:cxnSpMkLst>
-            <pc:docMk/>
-            <pc:sldMk cId="417105363" sldId="264"/>
-            <ac:cxnSpMk id="60" creationId="{62D093D6-AA14-49C3-9114-03307096482B}"/>
-          </ac:cxnSpMkLst>
-        </pc:cxnChg>
-        <pc:cxnChg chg="add mod">
-          <ac:chgData name="Borislav Varadinov" userId="aeafa21bd817e69b" providerId="LiveId" clId="{13496EEF-CFB6-471E-9150-A66391E16C25}" dt="2020-09-27T15:15:11.527" v="3274" actId="14100"/>
-          <ac:cxnSpMkLst>
-            <pc:docMk/>
-            <pc:sldMk cId="417105363" sldId="264"/>
-            <ac:cxnSpMk id="65" creationId="{400553E3-7F42-4A75-83D3-7D5412BB463F}"/>
-          </ac:cxnSpMkLst>
-        </pc:cxnChg>
-        <pc:cxnChg chg="add mod">
-          <ac:chgData name="Borislav Varadinov" userId="aeafa21bd817e69b" providerId="LiveId" clId="{13496EEF-CFB6-471E-9150-A66391E16C25}" dt="2020-09-27T15:15:08.141" v="3273" actId="14100"/>
-          <ac:cxnSpMkLst>
-            <pc:docMk/>
-            <pc:sldMk cId="417105363" sldId="264"/>
-            <ac:cxnSpMk id="69" creationId="{26416FA0-8C90-4280-8429-AC2885E3F27A}"/>
-          </ac:cxnSpMkLst>
-        </pc:cxnChg>
-        <pc:cxnChg chg="add mod">
-          <ac:chgData name="Borislav Varadinov" userId="aeafa21bd817e69b" providerId="LiveId" clId="{13496EEF-CFB6-471E-9150-A66391E16C25}" dt="2020-09-27T16:13:21.458" v="5015" actId="1038"/>
-          <ac:cxnSpMkLst>
-            <pc:docMk/>
-            <pc:sldMk cId="417105363" sldId="264"/>
-            <ac:cxnSpMk id="74" creationId="{A821FAF0-034A-4A1C-8244-70906C2E32DA}"/>
-          </ac:cxnSpMkLst>
-        </pc:cxnChg>
-        <pc:cxnChg chg="add mod">
-          <ac:chgData name="Borislav Varadinov" userId="aeafa21bd817e69b" providerId="LiveId" clId="{13496EEF-CFB6-471E-9150-A66391E16C25}" dt="2020-09-27T16:13:14.700" v="5012" actId="1037"/>
-          <ac:cxnSpMkLst>
-            <pc:docMk/>
-            <pc:sldMk cId="417105363" sldId="264"/>
-            <ac:cxnSpMk id="78" creationId="{E1E4BF99-5884-427E-9CF8-6586ADCB2294}"/>
-          </ac:cxnSpMkLst>
-        </pc:cxnChg>
-        <pc:cxnChg chg="add mod">
-          <ac:chgData name="Borislav Varadinov" userId="aeafa21bd817e69b" providerId="LiveId" clId="{13496EEF-CFB6-471E-9150-A66391E16C25}" dt="2020-09-27T16:13:17.444" v="5014" actId="1037"/>
-          <ac:cxnSpMkLst>
-            <pc:docMk/>
-            <pc:sldMk cId="417105363" sldId="264"/>
-            <ac:cxnSpMk id="82" creationId="{2E29B70F-C4FB-44B0-8277-75AC315446F8}"/>
-          </ac:cxnSpMkLst>
-        </pc:cxnChg>
-        <pc:cxnChg chg="add mod">
-          <ac:chgData name="Borislav Varadinov" userId="aeafa21bd817e69b" providerId="LiveId" clId="{13496EEF-CFB6-471E-9150-A66391E16C25}" dt="2020-09-27T15:14:26.862" v="3265" actId="14100"/>
-          <ac:cxnSpMkLst>
-            <pc:docMk/>
-            <pc:sldMk cId="417105363" sldId="264"/>
-            <ac:cxnSpMk id="86" creationId="{EA0B00C6-EBD8-43B5-A458-97B032C3F886}"/>
-          </ac:cxnSpMkLst>
-        </pc:cxnChg>
-        <pc:cxnChg chg="add mod">
-          <ac:chgData name="Borislav Varadinov" userId="aeafa21bd817e69b" providerId="LiveId" clId="{13496EEF-CFB6-471E-9150-A66391E16C25}" dt="2020-09-27T15:13:59.247" v="3209" actId="1038"/>
-          <ac:cxnSpMkLst>
-            <pc:docMk/>
-            <pc:sldMk cId="417105363" sldId="264"/>
-            <ac:cxnSpMk id="121" creationId="{53EBBE6D-DE4C-4F97-8019-3EB22B29430B}"/>
-          </ac:cxnSpMkLst>
-        </pc:cxnChg>
-        <pc:cxnChg chg="add mod">
-          <ac:chgData name="Borislav Varadinov" userId="aeafa21bd817e69b" providerId="LiveId" clId="{13496EEF-CFB6-471E-9150-A66391E16C25}" dt="2020-09-27T14:52:32.189" v="2942" actId="571"/>
-          <ac:cxnSpMkLst>
-            <pc:docMk/>
-            <pc:sldMk cId="417105363" sldId="264"/>
-            <ac:cxnSpMk id="123" creationId="{1B5FACBF-5130-49CF-9D41-4357DC9A5C69}"/>
-          </ac:cxnSpMkLst>
-        </pc:cxnChg>
-        <pc:cxnChg chg="add mod">
-          <ac:chgData name="Borislav Varadinov" userId="aeafa21bd817e69b" providerId="LiveId" clId="{13496EEF-CFB6-471E-9150-A66391E16C25}" dt="2020-09-27T14:52:32.189" v="2942" actId="571"/>
-          <ac:cxnSpMkLst>
-            <pc:docMk/>
-            <pc:sldMk cId="417105363" sldId="264"/>
-            <ac:cxnSpMk id="124" creationId="{E4B9173D-50B3-4E2F-A10B-C1E8162D4A15}"/>
-          </ac:cxnSpMkLst>
-        </pc:cxnChg>
-        <pc:cxnChg chg="add mod">
-          <ac:chgData name="Borislav Varadinov" userId="aeafa21bd817e69b" providerId="LiveId" clId="{13496EEF-CFB6-471E-9150-A66391E16C25}" dt="2020-09-27T14:52:32.189" v="2942" actId="571"/>
-          <ac:cxnSpMkLst>
-            <pc:docMk/>
-            <pc:sldMk cId="417105363" sldId="264"/>
-            <ac:cxnSpMk id="125" creationId="{8625E8A8-8C6F-418C-88E7-B5D3131A1342}"/>
-          </ac:cxnSpMkLst>
-        </pc:cxnChg>
-        <pc:cxnChg chg="add mod">
-          <ac:chgData name="Borislav Varadinov" userId="aeafa21bd817e69b" providerId="LiveId" clId="{13496EEF-CFB6-471E-9150-A66391E16C25}" dt="2020-09-27T14:52:32.189" v="2942" actId="571"/>
-          <ac:cxnSpMkLst>
-            <pc:docMk/>
-            <pc:sldMk cId="417105363" sldId="264"/>
-            <ac:cxnSpMk id="127" creationId="{51FC9C13-7EC9-4E41-A575-54D14262BE08}"/>
-          </ac:cxnSpMkLst>
-        </pc:cxnChg>
-        <pc:cxnChg chg="add mod">
-          <ac:chgData name="Borislav Varadinov" userId="aeafa21bd817e69b" providerId="LiveId" clId="{13496EEF-CFB6-471E-9150-A66391E16C25}" dt="2020-09-27T14:52:32.189" v="2942" actId="571"/>
-          <ac:cxnSpMkLst>
-            <pc:docMk/>
-            <pc:sldMk cId="417105363" sldId="264"/>
-            <ac:cxnSpMk id="129" creationId="{015A9361-4C8A-49E9-BF11-1D75EC0D2158}"/>
-          </ac:cxnSpMkLst>
-        </pc:cxnChg>
-        <pc:cxnChg chg="add mod">
-          <ac:chgData name="Borislav Varadinov" userId="aeafa21bd817e69b" providerId="LiveId" clId="{13496EEF-CFB6-471E-9150-A66391E16C25}" dt="2020-09-27T14:52:32.189" v="2942" actId="571"/>
-          <ac:cxnSpMkLst>
-            <pc:docMk/>
-            <pc:sldMk cId="417105363" sldId="264"/>
-            <ac:cxnSpMk id="131" creationId="{C5F1C56B-257A-4153-BA21-0F98BDE26FB3}"/>
-          </ac:cxnSpMkLst>
-        </pc:cxnChg>
-        <pc:cxnChg chg="add mod">
-          <ac:chgData name="Borislav Varadinov" userId="aeafa21bd817e69b" providerId="LiveId" clId="{13496EEF-CFB6-471E-9150-A66391E16C25}" dt="2020-09-27T14:52:32.189" v="2942" actId="571"/>
-          <ac:cxnSpMkLst>
-            <pc:docMk/>
-            <pc:sldMk cId="417105363" sldId="264"/>
-            <ac:cxnSpMk id="133" creationId="{9D249A95-3501-4C5F-9501-EA37031408A2}"/>
-          </ac:cxnSpMkLst>
-        </pc:cxnChg>
-        <pc:cxnChg chg="add mod">
-          <ac:chgData name="Borislav Varadinov" userId="aeafa21bd817e69b" providerId="LiveId" clId="{13496EEF-CFB6-471E-9150-A66391E16C25}" dt="2020-09-27T14:52:32.189" v="2942" actId="571"/>
-          <ac:cxnSpMkLst>
-            <pc:docMk/>
-            <pc:sldMk cId="417105363" sldId="264"/>
-            <ac:cxnSpMk id="135" creationId="{D7D8C93E-AA8B-4DD9-A3E6-5A8E67007A04}"/>
-          </ac:cxnSpMkLst>
-        </pc:cxnChg>
-        <pc:cxnChg chg="add mod">
-          <ac:chgData name="Borislav Varadinov" userId="aeafa21bd817e69b" providerId="LiveId" clId="{13496EEF-CFB6-471E-9150-A66391E16C25}" dt="2020-09-27T14:52:32.189" v="2942" actId="571"/>
-          <ac:cxnSpMkLst>
-            <pc:docMk/>
-            <pc:sldMk cId="417105363" sldId="264"/>
-            <ac:cxnSpMk id="136" creationId="{DBB37BB6-F0F1-4B75-9EC6-178882CBCF6C}"/>
-          </ac:cxnSpMkLst>
-        </pc:cxnChg>
-        <pc:cxnChg chg="add mod">
-          <ac:chgData name="Borislav Varadinov" userId="aeafa21bd817e69b" providerId="LiveId" clId="{13496EEF-CFB6-471E-9150-A66391E16C25}" dt="2020-09-27T14:52:32.189" v="2942" actId="571"/>
-          <ac:cxnSpMkLst>
-            <pc:docMk/>
-            <pc:sldMk cId="417105363" sldId="264"/>
-            <ac:cxnSpMk id="137" creationId="{F66A144B-27AE-48E1-987B-8F0DB502BF61}"/>
-          </ac:cxnSpMkLst>
-        </pc:cxnChg>
-        <pc:cxnChg chg="add mod">
-          <ac:chgData name="Borislav Varadinov" userId="aeafa21bd817e69b" providerId="LiveId" clId="{13496EEF-CFB6-471E-9150-A66391E16C25}" dt="2020-09-27T14:52:32.189" v="2942" actId="571"/>
-          <ac:cxnSpMkLst>
-            <pc:docMk/>
-            <pc:sldMk cId="417105363" sldId="264"/>
-            <ac:cxnSpMk id="138" creationId="{07DA9D95-E99B-41FB-8D9D-18D965FCB234}"/>
-          </ac:cxnSpMkLst>
-        </pc:cxnChg>
-        <pc:cxnChg chg="add mod">
-          <ac:chgData name="Borislav Varadinov" userId="aeafa21bd817e69b" providerId="LiveId" clId="{13496EEF-CFB6-471E-9150-A66391E16C25}" dt="2020-09-27T14:52:36.324" v="2944" actId="571"/>
-          <ac:cxnSpMkLst>
-            <pc:docMk/>
-            <pc:sldMk cId="417105363" sldId="264"/>
-            <ac:cxnSpMk id="139" creationId="{66665653-F2A4-4829-9DBA-13BAFDD42251}"/>
-          </ac:cxnSpMkLst>
-        </pc:cxnChg>
-        <pc:cxnChg chg="add mod">
-          <ac:chgData name="Borislav Varadinov" userId="aeafa21bd817e69b" providerId="LiveId" clId="{13496EEF-CFB6-471E-9150-A66391E16C25}" dt="2020-09-27T14:52:36.324" v="2944" actId="571"/>
-          <ac:cxnSpMkLst>
-            <pc:docMk/>
-            <pc:sldMk cId="417105363" sldId="264"/>
-            <ac:cxnSpMk id="140" creationId="{0EA9779E-0887-47B2-8CE3-F3243B614807}"/>
-          </ac:cxnSpMkLst>
-        </pc:cxnChg>
-        <pc:cxnChg chg="add mod">
-          <ac:chgData name="Borislav Varadinov" userId="aeafa21bd817e69b" providerId="LiveId" clId="{13496EEF-CFB6-471E-9150-A66391E16C25}" dt="2020-09-27T14:52:36.324" v="2944" actId="571"/>
-          <ac:cxnSpMkLst>
-            <pc:docMk/>
-            <pc:sldMk cId="417105363" sldId="264"/>
-            <ac:cxnSpMk id="142" creationId="{41910251-C8B4-4018-8363-297A4D2ADFDB}"/>
-          </ac:cxnSpMkLst>
-        </pc:cxnChg>
-        <pc:cxnChg chg="add mod">
-          <ac:chgData name="Borislav Varadinov" userId="aeafa21bd817e69b" providerId="LiveId" clId="{13496EEF-CFB6-471E-9150-A66391E16C25}" dt="2020-09-27T14:52:36.324" v="2944" actId="571"/>
-          <ac:cxnSpMkLst>
-            <pc:docMk/>
-            <pc:sldMk cId="417105363" sldId="264"/>
-            <ac:cxnSpMk id="144" creationId="{34CF8AEB-686F-424A-8114-FCC2A6A7003A}"/>
-          </ac:cxnSpMkLst>
-        </pc:cxnChg>
-        <pc:cxnChg chg="add mod">
-          <ac:chgData name="Borislav Varadinov" userId="aeafa21bd817e69b" providerId="LiveId" clId="{13496EEF-CFB6-471E-9150-A66391E16C25}" dt="2020-09-27T14:52:36.324" v="2944" actId="571"/>
-          <ac:cxnSpMkLst>
-            <pc:docMk/>
-            <pc:sldMk cId="417105363" sldId="264"/>
-            <ac:cxnSpMk id="146" creationId="{11E200F9-98B2-43C9-8BFF-D47D2D8AE8E7}"/>
-          </ac:cxnSpMkLst>
-        </pc:cxnChg>
-        <pc:cxnChg chg="add mod">
-          <ac:chgData name="Borislav Varadinov" userId="aeafa21bd817e69b" providerId="LiveId" clId="{13496EEF-CFB6-471E-9150-A66391E16C25}" dt="2020-09-27T14:52:36.324" v="2944" actId="571"/>
-          <ac:cxnSpMkLst>
-            <pc:docMk/>
-            <pc:sldMk cId="417105363" sldId="264"/>
-            <ac:cxnSpMk id="148" creationId="{3A7E78C9-ABDF-4525-8199-4A8BC31541CB}"/>
-          </ac:cxnSpMkLst>
-        </pc:cxnChg>
-        <pc:cxnChg chg="add mod">
-          <ac:chgData name="Borislav Varadinov" userId="aeafa21bd817e69b" providerId="LiveId" clId="{13496EEF-CFB6-471E-9150-A66391E16C25}" dt="2020-09-27T14:52:36.324" v="2944" actId="571"/>
-          <ac:cxnSpMkLst>
-            <pc:docMk/>
-            <pc:sldMk cId="417105363" sldId="264"/>
-            <ac:cxnSpMk id="150" creationId="{CB236386-211B-47BE-93B3-32745A83BF7B}"/>
-          </ac:cxnSpMkLst>
-        </pc:cxnChg>
-        <pc:cxnChg chg="add mod">
-          <ac:chgData name="Borislav Varadinov" userId="aeafa21bd817e69b" providerId="LiveId" clId="{13496EEF-CFB6-471E-9150-A66391E16C25}" dt="2020-09-27T14:52:36.324" v="2944" actId="571"/>
-          <ac:cxnSpMkLst>
-            <pc:docMk/>
-            <pc:sldMk cId="417105363" sldId="264"/>
-            <ac:cxnSpMk id="151" creationId="{2912C4F3-728A-4CC8-BF7F-4E49ED4FFA65}"/>
-          </ac:cxnSpMkLst>
-        </pc:cxnChg>
-        <pc:cxnChg chg="add mod">
-          <ac:chgData name="Borislav Varadinov" userId="aeafa21bd817e69b" providerId="LiveId" clId="{13496EEF-CFB6-471E-9150-A66391E16C25}" dt="2020-09-27T14:52:36.324" v="2944" actId="571"/>
-          <ac:cxnSpMkLst>
-            <pc:docMk/>
-            <pc:sldMk cId="417105363" sldId="264"/>
-            <ac:cxnSpMk id="152" creationId="{F4E0257B-AC70-4551-8EF8-BA22BCCFCD46}"/>
-          </ac:cxnSpMkLst>
-        </pc:cxnChg>
-        <pc:cxnChg chg="add mod">
-          <ac:chgData name="Borislav Varadinov" userId="aeafa21bd817e69b" providerId="LiveId" clId="{13496EEF-CFB6-471E-9150-A66391E16C25}" dt="2020-09-27T14:52:36.324" v="2944" actId="571"/>
-          <ac:cxnSpMkLst>
-            <pc:docMk/>
-            <pc:sldMk cId="417105363" sldId="264"/>
-            <ac:cxnSpMk id="153" creationId="{3E3F4A66-8492-4C49-BF87-426DD1369275}"/>
-          </ac:cxnSpMkLst>
-        </pc:cxnChg>
-        <pc:cxnChg chg="add mod">
-          <ac:chgData name="Borislav Varadinov" userId="aeafa21bd817e69b" providerId="LiveId" clId="{13496EEF-CFB6-471E-9150-A66391E16C25}" dt="2020-09-27T14:52:51.564" v="2946" actId="571"/>
-          <ac:cxnSpMkLst>
-            <pc:docMk/>
-            <pc:sldMk cId="417105363" sldId="264"/>
-            <ac:cxnSpMk id="154" creationId="{5BFDCAEB-0E42-44C6-892A-FAAD8FEC615C}"/>
-          </ac:cxnSpMkLst>
-        </pc:cxnChg>
-        <pc:cxnChg chg="add mod">
-          <ac:chgData name="Borislav Varadinov" userId="aeafa21bd817e69b" providerId="LiveId" clId="{13496EEF-CFB6-471E-9150-A66391E16C25}" dt="2020-09-27T14:52:51.564" v="2946" actId="571"/>
-          <ac:cxnSpMkLst>
-            <pc:docMk/>
-            <pc:sldMk cId="417105363" sldId="264"/>
-            <ac:cxnSpMk id="155" creationId="{F5396775-8D7E-4C15-8CDF-C259ED257A9C}"/>
-          </ac:cxnSpMkLst>
-        </pc:cxnChg>
-        <pc:cxnChg chg="add mod">
-          <ac:chgData name="Borislav Varadinov" userId="aeafa21bd817e69b" providerId="LiveId" clId="{13496EEF-CFB6-471E-9150-A66391E16C25}" dt="2020-09-27T14:52:51.564" v="2946" actId="571"/>
-          <ac:cxnSpMkLst>
-            <pc:docMk/>
-            <pc:sldMk cId="417105363" sldId="264"/>
-            <ac:cxnSpMk id="157" creationId="{D0FB0071-B641-4BBA-AF7D-83B7645D41D5}"/>
-          </ac:cxnSpMkLst>
-        </pc:cxnChg>
-        <pc:cxnChg chg="add mod">
-          <ac:chgData name="Borislav Varadinov" userId="aeafa21bd817e69b" providerId="LiveId" clId="{13496EEF-CFB6-471E-9150-A66391E16C25}" dt="2020-09-27T14:52:51.564" v="2946" actId="571"/>
-          <ac:cxnSpMkLst>
-            <pc:docMk/>
-            <pc:sldMk cId="417105363" sldId="264"/>
-            <ac:cxnSpMk id="159" creationId="{FF52EC50-CB71-4C4B-A850-834D81AA43E8}"/>
-          </ac:cxnSpMkLst>
-        </pc:cxnChg>
-        <pc:cxnChg chg="add mod">
-          <ac:chgData name="Borislav Varadinov" userId="aeafa21bd817e69b" providerId="LiveId" clId="{13496EEF-CFB6-471E-9150-A66391E16C25}" dt="2020-09-27T14:52:51.564" v="2946" actId="571"/>
-          <ac:cxnSpMkLst>
-            <pc:docMk/>
-            <pc:sldMk cId="417105363" sldId="264"/>
-            <ac:cxnSpMk id="161" creationId="{84176328-56BB-4257-B472-2F06A663A3CE}"/>
-          </ac:cxnSpMkLst>
-        </pc:cxnChg>
-        <pc:cxnChg chg="add mod">
-          <ac:chgData name="Borislav Varadinov" userId="aeafa21bd817e69b" providerId="LiveId" clId="{13496EEF-CFB6-471E-9150-A66391E16C25}" dt="2020-09-27T14:52:51.564" v="2946" actId="571"/>
-          <ac:cxnSpMkLst>
-            <pc:docMk/>
-            <pc:sldMk cId="417105363" sldId="264"/>
-            <ac:cxnSpMk id="163" creationId="{B0D57675-25B2-4F09-9CFB-6498A784F0DF}"/>
-          </ac:cxnSpMkLst>
-        </pc:cxnChg>
-        <pc:cxnChg chg="add mod">
-          <ac:chgData name="Borislav Varadinov" userId="aeafa21bd817e69b" providerId="LiveId" clId="{13496EEF-CFB6-471E-9150-A66391E16C25}" dt="2020-09-27T14:52:51.564" v="2946" actId="571"/>
-          <ac:cxnSpMkLst>
-            <pc:docMk/>
-            <pc:sldMk cId="417105363" sldId="264"/>
-            <ac:cxnSpMk id="165" creationId="{F7CB6565-F623-4D6C-8632-1B168C514D3E}"/>
-          </ac:cxnSpMkLst>
-        </pc:cxnChg>
-        <pc:cxnChg chg="add mod">
-          <ac:chgData name="Borislav Varadinov" userId="aeafa21bd817e69b" providerId="LiveId" clId="{13496EEF-CFB6-471E-9150-A66391E16C25}" dt="2020-09-27T14:52:51.564" v="2946" actId="571"/>
-          <ac:cxnSpMkLst>
-            <pc:docMk/>
-            <pc:sldMk cId="417105363" sldId="264"/>
-            <ac:cxnSpMk id="167" creationId="{6B4A0DE6-9500-4854-B052-BCE99452E311}"/>
-          </ac:cxnSpMkLst>
-        </pc:cxnChg>
-        <pc:cxnChg chg="add mod">
-          <ac:chgData name="Borislav Varadinov" userId="aeafa21bd817e69b" providerId="LiveId" clId="{13496EEF-CFB6-471E-9150-A66391E16C25}" dt="2020-09-27T14:52:51.564" v="2946" actId="571"/>
-          <ac:cxnSpMkLst>
-            <pc:docMk/>
-            <pc:sldMk cId="417105363" sldId="264"/>
-            <ac:cxnSpMk id="169" creationId="{7373622D-8F25-4F6F-B6DA-15C540103174}"/>
-          </ac:cxnSpMkLst>
-        </pc:cxnChg>
-        <pc:cxnChg chg="add mod">
-          <ac:chgData name="Borislav Varadinov" userId="aeafa21bd817e69b" providerId="LiveId" clId="{13496EEF-CFB6-471E-9150-A66391E16C25}" dt="2020-09-27T14:52:51.564" v="2946" actId="571"/>
-          <ac:cxnSpMkLst>
-            <pc:docMk/>
-            <pc:sldMk cId="417105363" sldId="264"/>
-            <ac:cxnSpMk id="171" creationId="{82BA6227-1915-4B2D-B945-9FB4D78BB6E0}"/>
-          </ac:cxnSpMkLst>
-        </pc:cxnChg>
-        <pc:cxnChg chg="add mod">
-          <ac:chgData name="Borislav Varadinov" userId="aeafa21bd817e69b" providerId="LiveId" clId="{13496EEF-CFB6-471E-9150-A66391E16C25}" dt="2020-09-27T14:52:51.564" v="2946" actId="571"/>
-          <ac:cxnSpMkLst>
-            <pc:docMk/>
-            <pc:sldMk cId="417105363" sldId="264"/>
-            <ac:cxnSpMk id="174" creationId="{DC877822-E4C1-4BF2-BB1E-FB2D36D0A24C}"/>
-          </ac:cxnSpMkLst>
-        </pc:cxnChg>
-        <pc:cxnChg chg="add mod">
-          <ac:chgData name="Borislav Varadinov" userId="aeafa21bd817e69b" providerId="LiveId" clId="{13496EEF-CFB6-471E-9150-A66391E16C25}" dt="2020-09-27T16:13:06.823" v="5005" actId="1038"/>
-          <ac:cxnSpMkLst>
-            <pc:docMk/>
-            <pc:sldMk cId="417105363" sldId="264"/>
-            <ac:cxnSpMk id="175" creationId="{069466E3-48CF-4E6E-BC01-C67F37C3EB6C}"/>
-          </ac:cxnSpMkLst>
-        </pc:cxnChg>
-        <pc:cxnChg chg="add mod">
-          <ac:chgData name="Borislav Varadinov" userId="aeafa21bd817e69b" providerId="LiveId" clId="{13496EEF-CFB6-471E-9150-A66391E16C25}" dt="2020-09-27T15:14:33.296" v="3267" actId="1076"/>
-          <ac:cxnSpMkLst>
-            <pc:docMk/>
-            <pc:sldMk cId="417105363" sldId="264"/>
-            <ac:cxnSpMk id="215" creationId="{770F5DAA-05C3-48E2-83FD-4106449A1740}"/>
-          </ac:cxnSpMkLst>
-        </pc:cxnChg>
-        <pc:cxnChg chg="add mod">
-          <ac:chgData name="Borislav Varadinov" userId="aeafa21bd817e69b" providerId="LiveId" clId="{13496EEF-CFB6-471E-9150-A66391E16C25}" dt="2020-09-27T15:14:43.481" v="3269" actId="1076"/>
-          <ac:cxnSpMkLst>
-            <pc:docMk/>
-            <pc:sldMk cId="417105363" sldId="264"/>
-            <ac:cxnSpMk id="221" creationId="{B03A854F-330E-457A-A6B8-19D50357A25E}"/>
-          </ac:cxnSpMkLst>
-        </pc:cxnChg>
-        <pc:cxnChg chg="add mod">
-          <ac:chgData name="Borislav Varadinov" userId="aeafa21bd817e69b" providerId="LiveId" clId="{13496EEF-CFB6-471E-9150-A66391E16C25}" dt="2020-09-27T15:14:47.855" v="3270" actId="1076"/>
-          <ac:cxnSpMkLst>
-            <pc:docMk/>
-            <pc:sldMk cId="417105363" sldId="264"/>
-            <ac:cxnSpMk id="222" creationId="{01720697-2A58-46B3-8FED-BA5E5295C1AA}"/>
-          </ac:cxnSpMkLst>
-        </pc:cxnChg>
-      </pc:sldChg>
-      <pc:sldChg chg="del">
-        <pc:chgData name="Borislav Varadinov" userId="aeafa21bd817e69b" providerId="LiveId" clId="{13496EEF-CFB6-471E-9150-A66391E16C25}" dt="2020-09-27T12:44:09.567" v="2" actId="47"/>
-        <pc:sldMkLst>
-          <pc:docMk/>
-          <pc:sldMk cId="2530270807" sldId="264"/>
-        </pc:sldMkLst>
-      </pc:sldChg>
-      <pc:sldChg chg="del">
-        <pc:chgData name="Borislav Varadinov" userId="aeafa21bd817e69b" providerId="LiveId" clId="{13496EEF-CFB6-471E-9150-A66391E16C25}" dt="2020-09-27T12:44:11.118" v="5" actId="47"/>
-        <pc:sldMkLst>
-          <pc:docMk/>
-          <pc:sldMk cId="2255368969" sldId="265"/>
-        </pc:sldMkLst>
-      </pc:sldChg>
-      <pc:sldChg chg="addSp delSp modSp new mod">
-        <pc:chgData name="Borislav Varadinov" userId="aeafa21bd817e69b" providerId="LiveId" clId="{13496EEF-CFB6-471E-9150-A66391E16C25}" dt="2020-09-27T15:44:19.138" v="4246" actId="14100"/>
-        <pc:sldMkLst>
-          <pc:docMk/>
-          <pc:sldMk cId="3610984625" sldId="265"/>
-        </pc:sldMkLst>
-        <pc:spChg chg="mod">
-          <ac:chgData name="Borislav Varadinov" userId="aeafa21bd817e69b" providerId="LiveId" clId="{13496EEF-CFB6-471E-9150-A66391E16C25}" dt="2020-09-27T15:26:34.097" v="3812" actId="20577"/>
-          <ac:spMkLst>
-            <pc:docMk/>
-            <pc:sldMk cId="3610984625" sldId="265"/>
-            <ac:spMk id="2" creationId="{2A5DC4F2-29B0-46B2-8EA9-2B34F6A89351}"/>
-          </ac:spMkLst>
-        </pc:spChg>
-        <pc:spChg chg="del">
-          <ac:chgData name="Borislav Varadinov" userId="aeafa21bd817e69b" providerId="LiveId" clId="{13496EEF-CFB6-471E-9150-A66391E16C25}" dt="2020-09-27T15:26:47.622" v="3815" actId="478"/>
-          <ac:spMkLst>
-            <pc:docMk/>
-            <pc:sldMk cId="3610984625" sldId="265"/>
-            <ac:spMk id="3" creationId="{BB2BD8A2-77C7-45AC-A7F6-7F1613C8177D}"/>
-          </ac:spMkLst>
-        </pc:spChg>
-        <pc:spChg chg="add del">
-          <ac:chgData name="Borislav Varadinov" userId="aeafa21bd817e69b" providerId="LiveId" clId="{13496EEF-CFB6-471E-9150-A66391E16C25}" dt="2020-09-27T15:26:42.851" v="3814" actId="11529"/>
-          <ac:spMkLst>
-            <pc:docMk/>
-            <pc:sldMk cId="3610984625" sldId="265"/>
-            <ac:spMk id="4" creationId="{9A304A7D-CFA7-4F4D-A647-C4D711ADFC47}"/>
-          </ac:spMkLst>
-        </pc:spChg>
-        <pc:spChg chg="add mod">
-          <ac:chgData name="Borislav Varadinov" userId="aeafa21bd817e69b" providerId="LiveId" clId="{13496EEF-CFB6-471E-9150-A66391E16C25}" dt="2020-09-27T15:37:29.070" v="4126" actId="164"/>
-          <ac:spMkLst>
-            <pc:docMk/>
-            <pc:sldMk cId="3610984625" sldId="265"/>
-            <ac:spMk id="5" creationId="{F15DE625-15EE-4C19-9DF3-BE1A5F620114}"/>
-          </ac:spMkLst>
-        </pc:spChg>
-        <pc:spChg chg="add mod">
-          <ac:chgData name="Borislav Varadinov" userId="aeafa21bd817e69b" providerId="LiveId" clId="{13496EEF-CFB6-471E-9150-A66391E16C25}" dt="2020-09-27T15:37:51.253" v="4133" actId="164"/>
-          <ac:spMkLst>
-            <pc:docMk/>
-            <pc:sldMk cId="3610984625" sldId="265"/>
-            <ac:spMk id="6" creationId="{F7000CF1-1EF4-4D45-991A-73E20A7B20FA}"/>
-          </ac:spMkLst>
-        </pc:spChg>
-        <pc:spChg chg="add mod">
-          <ac:chgData name="Borislav Varadinov" userId="aeafa21bd817e69b" providerId="LiveId" clId="{13496EEF-CFB6-471E-9150-A66391E16C25}" dt="2020-09-27T15:38:34.649" v="4145" actId="164"/>
-          <ac:spMkLst>
-            <pc:docMk/>
-            <pc:sldMk cId="3610984625" sldId="265"/>
-            <ac:spMk id="7" creationId="{3955C315-7730-4BB9-BF61-24382B8ADBDE}"/>
-          </ac:spMkLst>
-        </pc:spChg>
-        <pc:spChg chg="add mod">
-          <ac:chgData name="Borislav Varadinov" userId="aeafa21bd817e69b" providerId="LiveId" clId="{13496EEF-CFB6-471E-9150-A66391E16C25}" dt="2020-09-27T15:38:44.312" v="4150" actId="571"/>
-          <ac:spMkLst>
-            <pc:docMk/>
-            <pc:sldMk cId="3610984625" sldId="265"/>
-            <ac:spMk id="8" creationId="{BB841F33-12CD-4C46-A85A-46E8D47C6D80}"/>
-          </ac:spMkLst>
-        </pc:spChg>
-        <pc:spChg chg="add mod">
-          <ac:chgData name="Borislav Varadinov" userId="aeafa21bd817e69b" providerId="LiveId" clId="{13496EEF-CFB6-471E-9150-A66391E16C25}" dt="2020-09-27T15:37:38.343" v="4128" actId="164"/>
-          <ac:spMkLst>
-            <pc:docMk/>
-            <pc:sldMk cId="3610984625" sldId="265"/>
-            <ac:spMk id="9" creationId="{01D9CC9C-278C-4459-909B-937F09B415DB}"/>
-          </ac:spMkLst>
-        </pc:spChg>
-        <pc:spChg chg="add mod">
-          <ac:chgData name="Borislav Varadinov" userId="aeafa21bd817e69b" providerId="LiveId" clId="{13496EEF-CFB6-471E-9150-A66391E16C25}" dt="2020-09-27T15:37:45.570" v="4131" actId="164"/>
-          <ac:spMkLst>
-            <pc:docMk/>
-            <pc:sldMk cId="3610984625" sldId="265"/>
-            <ac:spMk id="10" creationId="{B1A6CEC2-F560-4AC3-A289-532D8E1A26DD}"/>
-          </ac:spMkLst>
-        </pc:spChg>
-        <pc:spChg chg="add mod">
-          <ac:chgData name="Borislav Varadinov" userId="aeafa21bd817e69b" providerId="LiveId" clId="{13496EEF-CFB6-471E-9150-A66391E16C25}" dt="2020-09-27T15:37:45.570" v="4131" actId="164"/>
-          <ac:spMkLst>
-            <pc:docMk/>
-            <pc:sldMk cId="3610984625" sldId="265"/>
-            <ac:spMk id="11" creationId="{3D113661-D35C-4E41-A8B3-3653D0BC37B3}"/>
-          </ac:spMkLst>
-        </pc:spChg>
-        <pc:spChg chg="add mod">
-          <ac:chgData name="Borislav Varadinov" userId="aeafa21bd817e69b" providerId="LiveId" clId="{13496EEF-CFB6-471E-9150-A66391E16C25}" dt="2020-09-27T15:37:51.253" v="4133" actId="164"/>
-          <ac:spMkLst>
-            <pc:docMk/>
-            <pc:sldMk cId="3610984625" sldId="265"/>
-            <ac:spMk id="12" creationId="{7C76018C-F2B5-4EA5-A269-3D9F677F89DB}"/>
-          </ac:spMkLst>
-        </pc:spChg>
-        <pc:spChg chg="add mod">
-          <ac:chgData name="Borislav Varadinov" userId="aeafa21bd817e69b" providerId="LiveId" clId="{13496EEF-CFB6-471E-9150-A66391E16C25}" dt="2020-09-27T15:32:02.732" v="4052" actId="571"/>
-          <ac:spMkLst>
-            <pc:docMk/>
-            <pc:sldMk cId="3610984625" sldId="265"/>
-            <ac:spMk id="13" creationId="{0BBC8EDE-8DB1-492C-9FBA-2A20467538AF}"/>
-          </ac:spMkLst>
-        </pc:spChg>
-        <pc:spChg chg="add mod">
-          <ac:chgData name="Borislav Varadinov" userId="aeafa21bd817e69b" providerId="LiveId" clId="{13496EEF-CFB6-471E-9150-A66391E16C25}" dt="2020-09-27T15:38:49.118" v="4152" actId="1076"/>
-          <ac:spMkLst>
-            <pc:docMk/>
-            <pc:sldMk cId="3610984625" sldId="265"/>
-            <ac:spMk id="14" creationId="{4A8632F1-FBD6-49E4-A295-CBC177D93A73}"/>
-          </ac:spMkLst>
-        </pc:spChg>
-        <pc:spChg chg="add mod">
-          <ac:chgData name="Borislav Varadinov" userId="aeafa21bd817e69b" providerId="LiveId" clId="{13496EEF-CFB6-471E-9150-A66391E16C25}" dt="2020-09-27T15:38:34.649" v="4145" actId="164"/>
-          <ac:spMkLst>
-            <pc:docMk/>
-            <pc:sldMk cId="3610984625" sldId="265"/>
-            <ac:spMk id="15" creationId="{3C00D1F0-41BC-4322-8CAA-7643AD2D3500}"/>
-          </ac:spMkLst>
-        </pc:spChg>
-        <pc:spChg chg="add mod">
-          <ac:chgData name="Borislav Varadinov" userId="aeafa21bd817e69b" providerId="LiveId" clId="{13496EEF-CFB6-471E-9150-A66391E16C25}" dt="2020-09-27T15:37:29.070" v="4126" actId="164"/>
-          <ac:spMkLst>
-            <pc:docMk/>
-            <pc:sldMk cId="3610984625" sldId="265"/>
-            <ac:spMk id="16" creationId="{8AD93B4C-A575-471F-9231-E2E7FBFF491E}"/>
-          </ac:spMkLst>
-        </pc:spChg>
-        <pc:spChg chg="add mod">
-          <ac:chgData name="Borislav Varadinov" userId="aeafa21bd817e69b" providerId="LiveId" clId="{13496EEF-CFB6-471E-9150-A66391E16C25}" dt="2020-09-27T15:37:38.343" v="4128" actId="164"/>
-          <ac:spMkLst>
-            <pc:docMk/>
-            <pc:sldMk cId="3610984625" sldId="265"/>
-            <ac:spMk id="17" creationId="{1A65BDE5-C796-484A-91DC-54987A447853}"/>
-          </ac:spMkLst>
-        </pc:spChg>
-        <pc:spChg chg="add mod">
-          <ac:chgData name="Borislav Varadinov" userId="aeafa21bd817e69b" providerId="LiveId" clId="{13496EEF-CFB6-471E-9150-A66391E16C25}" dt="2020-09-27T15:38:18.126" v="4144" actId="571"/>
-          <ac:spMkLst>
-            <pc:docMk/>
-            <pc:sldMk cId="3610984625" sldId="265"/>
-            <ac:spMk id="23" creationId="{5806F22B-B971-42A4-83F4-DEFE3C888D94}"/>
-          </ac:spMkLst>
-        </pc:spChg>
-        <pc:spChg chg="add mod">
-          <ac:chgData name="Borislav Varadinov" userId="aeafa21bd817e69b" providerId="LiveId" clId="{13496EEF-CFB6-471E-9150-A66391E16C25}" dt="2020-09-27T15:38:44.312" v="4150" actId="571"/>
-          <ac:spMkLst>
-            <pc:docMk/>
-            <pc:sldMk cId="3610984625" sldId="265"/>
-            <ac:spMk id="25" creationId="{6FC12D07-768A-4860-A779-11F6C6956479}"/>
-          </ac:spMkLst>
-        </pc:spChg>
-        <pc:spChg chg="add del mod">
-          <ac:chgData name="Borislav Varadinov" userId="aeafa21bd817e69b" providerId="LiveId" clId="{13496EEF-CFB6-471E-9150-A66391E16C25}" dt="2020-09-27T15:40:24.395" v="4165" actId="478"/>
-          <ac:spMkLst>
-            <pc:docMk/>
-            <pc:sldMk cId="3610984625" sldId="265"/>
-            <ac:spMk id="26" creationId="{92DF4B51-3B21-4BA9-8A72-BCA5A9FEBFCE}"/>
-          </ac:spMkLst>
-        </pc:spChg>
-        <pc:spChg chg="add del mod">
-          <ac:chgData name="Borislav Varadinov" userId="aeafa21bd817e69b" providerId="LiveId" clId="{13496EEF-CFB6-471E-9150-A66391E16C25}" dt="2020-09-27T15:41:30.059" v="4186" actId="478"/>
-          <ac:spMkLst>
-            <pc:docMk/>
-            <pc:sldMk cId="3610984625" sldId="265"/>
-            <ac:spMk id="27" creationId="{5606EBF9-8BF8-4A4C-8FA4-88EE6750AD45}"/>
-          </ac:spMkLst>
-        </pc:spChg>
-        <pc:spChg chg="add mod">
-          <ac:chgData name="Borislav Varadinov" userId="aeafa21bd817e69b" providerId="LiveId" clId="{13496EEF-CFB6-471E-9150-A66391E16C25}" dt="2020-09-27T15:44:19.138" v="4246" actId="14100"/>
-          <ac:spMkLst>
-            <pc:docMk/>
-            <pc:sldMk cId="3610984625" sldId="265"/>
-            <ac:spMk id="28" creationId="{65666B4D-0038-42CB-8D3F-F4F15F5D3874}"/>
-          </ac:spMkLst>
-        </pc:spChg>
-        <pc:spChg chg="add mod">
-          <ac:chgData name="Borislav Varadinov" userId="aeafa21bd817e69b" providerId="LiveId" clId="{13496EEF-CFB6-471E-9150-A66391E16C25}" dt="2020-09-27T15:41:33.678" v="4187" actId="1076"/>
-          <ac:spMkLst>
-            <pc:docMk/>
-            <pc:sldMk cId="3610984625" sldId="265"/>
-            <ac:spMk id="29" creationId="{E69D80E1-8CB4-4383-A442-1633A0D2BDCF}"/>
-          </ac:spMkLst>
-        </pc:spChg>
-        <pc:spChg chg="add mod">
-          <ac:chgData name="Borislav Varadinov" userId="aeafa21bd817e69b" providerId="LiveId" clId="{13496EEF-CFB6-471E-9150-A66391E16C25}" dt="2020-09-27T15:43:53.378" v="4242" actId="1076"/>
-          <ac:spMkLst>
-            <pc:docMk/>
-            <pc:sldMk cId="3610984625" sldId="265"/>
-            <ac:spMk id="30" creationId="{58ACA81E-C96B-444D-80A9-02D600931BA6}"/>
-          </ac:spMkLst>
-        </pc:spChg>
-        <pc:spChg chg="add mod">
-          <ac:chgData name="Borislav Varadinov" userId="aeafa21bd817e69b" providerId="LiveId" clId="{13496EEF-CFB6-471E-9150-A66391E16C25}" dt="2020-09-27T15:42:51.121" v="4215" actId="1076"/>
-          <ac:spMkLst>
-            <pc:docMk/>
-            <pc:sldMk cId="3610984625" sldId="265"/>
-            <ac:spMk id="31" creationId="{D871A4F5-6BD8-4946-BC3B-262C7C7B4A59}"/>
-          </ac:spMkLst>
-        </pc:spChg>
-        <pc:spChg chg="add mod">
-          <ac:chgData name="Borislav Varadinov" userId="aeafa21bd817e69b" providerId="LiveId" clId="{13496EEF-CFB6-471E-9150-A66391E16C25}" dt="2020-09-27T15:43:27.051" v="4235" actId="1076"/>
-          <ac:spMkLst>
-            <pc:docMk/>
-            <pc:sldMk cId="3610984625" sldId="265"/>
-            <ac:spMk id="32" creationId="{A4BEC426-0462-4E1D-B0EB-B4228401B148}"/>
-          </ac:spMkLst>
-        </pc:spChg>
-        <pc:spChg chg="add mod">
-          <ac:chgData name="Borislav Varadinov" userId="aeafa21bd817e69b" providerId="LiveId" clId="{13496EEF-CFB6-471E-9150-A66391E16C25}" dt="2020-09-27T15:43:51.049" v="4241" actId="1076"/>
-          <ac:spMkLst>
-            <pc:docMk/>
-            <pc:sldMk cId="3610984625" sldId="265"/>
-            <ac:spMk id="33" creationId="{1A4E5CD7-79D9-4D15-9A0B-73AE96FCFD4E}"/>
-          </ac:spMkLst>
-        </pc:spChg>
-        <pc:grpChg chg="add mod ord">
-          <ac:chgData name="Borislav Varadinov" userId="aeafa21bd817e69b" providerId="LiveId" clId="{13496EEF-CFB6-471E-9150-A66391E16C25}" dt="2020-09-27T15:43:32.022" v="4237" actId="166"/>
-          <ac:grpSpMkLst>
-            <pc:docMk/>
-            <pc:sldMk cId="3610984625" sldId="265"/>
-            <ac:grpSpMk id="18" creationId="{16F27635-224E-4342-A1D2-8A6095BBD302}"/>
-          </ac:grpSpMkLst>
-        </pc:grpChg>
-        <pc:grpChg chg="add mod ord">
-          <ac:chgData name="Borislav Varadinov" userId="aeafa21bd817e69b" providerId="LiveId" clId="{13496EEF-CFB6-471E-9150-A66391E16C25}" dt="2020-09-27T15:43:08.367" v="4220" actId="166"/>
-          <ac:grpSpMkLst>
-            <pc:docMk/>
-            <pc:sldMk cId="3610984625" sldId="265"/>
-            <ac:grpSpMk id="19" creationId="{0B5180EC-FD76-40EC-95A8-03BC6041325A}"/>
-          </ac:grpSpMkLst>
-        </pc:grpChg>
-        <pc:grpChg chg="add mod ord">
-          <ac:chgData name="Borislav Varadinov" userId="aeafa21bd817e69b" providerId="LiveId" clId="{13496EEF-CFB6-471E-9150-A66391E16C25}" dt="2020-09-27T15:42:54.108" v="4216" actId="166"/>
-          <ac:grpSpMkLst>
-            <pc:docMk/>
-            <pc:sldMk cId="3610984625" sldId="265"/>
-            <ac:grpSpMk id="20" creationId="{3FE0D22E-D562-44D3-B808-505F4E86D749}"/>
-          </ac:grpSpMkLst>
-        </pc:grpChg>
-        <pc:grpChg chg="add mod ord">
-          <ac:chgData name="Borislav Varadinov" userId="aeafa21bd817e69b" providerId="LiveId" clId="{13496EEF-CFB6-471E-9150-A66391E16C25}" dt="2020-09-27T15:42:31.445" v="4209" actId="166"/>
-          <ac:grpSpMkLst>
-            <pc:docMk/>
-            <pc:sldMk cId="3610984625" sldId="265"/>
-            <ac:grpSpMk id="21" creationId="{F5343B2D-34DE-4051-A159-C935F3C30BD2}"/>
-          </ac:grpSpMkLst>
-        </pc:grpChg>
-        <pc:grpChg chg="add mod ord">
-          <ac:chgData name="Borislav Varadinov" userId="aeafa21bd817e69b" providerId="LiveId" clId="{13496EEF-CFB6-471E-9150-A66391E16C25}" dt="2020-09-27T15:42:11.322" v="4201" actId="166"/>
-          <ac:grpSpMkLst>
-            <pc:docMk/>
-            <pc:sldMk cId="3610984625" sldId="265"/>
-            <ac:grpSpMk id="22" creationId="{F23BC083-ABAD-45F0-BDE5-95E74B558E0F}"/>
-          </ac:grpSpMkLst>
-        </pc:grpChg>
-        <pc:grpChg chg="add mod ord">
-          <ac:chgData name="Borislav Varadinov" userId="aeafa21bd817e69b" providerId="LiveId" clId="{13496EEF-CFB6-471E-9150-A66391E16C25}" dt="2020-09-27T15:42:04.158" v="4199" actId="166"/>
-          <ac:grpSpMkLst>
-            <pc:docMk/>
-            <pc:sldMk cId="3610984625" sldId="265"/>
-            <ac:grpSpMk id="24" creationId="{EB1A939E-171D-4DE7-A455-B99F5B97AA11}"/>
-          </ac:grpSpMkLst>
-        </pc:grpChg>
-      </pc:sldChg>
-      <pc:sldChg chg="modSp new mod">
-        <pc:chgData name="Borislav Varadinov" userId="aeafa21bd817e69b" providerId="LiveId" clId="{13496EEF-CFB6-471E-9150-A66391E16C25}" dt="2020-09-27T15:46:55.755" v="4273" actId="20577"/>
-        <pc:sldMkLst>
-          <pc:docMk/>
-          <pc:sldMk cId="3236666" sldId="266"/>
-        </pc:sldMkLst>
-        <pc:spChg chg="mod">
-          <ac:chgData name="Borislav Varadinov" userId="aeafa21bd817e69b" providerId="LiveId" clId="{13496EEF-CFB6-471E-9150-A66391E16C25}" dt="2020-09-27T15:46:20.205" v="4265" actId="20577"/>
-          <ac:spMkLst>
-            <pc:docMk/>
-            <pc:sldMk cId="3236666" sldId="266"/>
-            <ac:spMk id="2" creationId="{26530EF2-08AF-4CD1-A7EA-6E0CF2A0F544}"/>
-          </ac:spMkLst>
-        </pc:spChg>
-        <pc:spChg chg="mod">
-          <ac:chgData name="Borislav Varadinov" userId="aeafa21bd817e69b" providerId="LiveId" clId="{13496EEF-CFB6-471E-9150-A66391E16C25}" dt="2020-09-27T15:46:55.755" v="4273" actId="20577"/>
-          <ac:spMkLst>
-            <pc:docMk/>
-            <pc:sldMk cId="3236666" sldId="266"/>
-            <ac:spMk id="3" creationId="{B526F58D-FEBD-40C3-8D42-49B091D5E3AF}"/>
-          </ac:spMkLst>
-        </pc:spChg>
-      </pc:sldChg>
-      <pc:sldChg chg="modSp new mod">
-        <pc:chgData name="Borislav Varadinov" userId="aeafa21bd817e69b" providerId="LiveId" clId="{13496EEF-CFB6-471E-9150-A66391E16C25}" dt="2020-09-27T15:47:59.183" v="4339" actId="20577"/>
-        <pc:sldMkLst>
-          <pc:docMk/>
-          <pc:sldMk cId="2433538328" sldId="267"/>
-        </pc:sldMkLst>
-        <pc:spChg chg="mod">
-          <ac:chgData name="Borislav Varadinov" userId="aeafa21bd817e69b" providerId="LiveId" clId="{13496EEF-CFB6-471E-9150-A66391E16C25}" dt="2020-09-27T15:47:49.550" v="4319" actId="20577"/>
-          <ac:spMkLst>
-            <pc:docMk/>
-            <pc:sldMk cId="2433538328" sldId="267"/>
-            <ac:spMk id="2" creationId="{E24B6E25-DA5E-434B-9267-BA2B4757C2EB}"/>
-          </ac:spMkLst>
-        </pc:spChg>
-        <pc:spChg chg="mod">
-          <ac:chgData name="Borislav Varadinov" userId="aeafa21bd817e69b" providerId="LiveId" clId="{13496EEF-CFB6-471E-9150-A66391E16C25}" dt="2020-09-27T15:47:59.183" v="4339" actId="20577"/>
-          <ac:spMkLst>
-            <pc:docMk/>
-            <pc:sldMk cId="2433538328" sldId="267"/>
-            <ac:spMk id="3" creationId="{A3B90F8A-8345-4BDF-915B-5F9FE586A4B7}"/>
-          </ac:spMkLst>
-        </pc:spChg>
-      </pc:sldChg>
-      <pc:sldChg chg="modSp new mod">
-        <pc:chgData name="Borislav Varadinov" userId="aeafa21bd817e69b" providerId="LiveId" clId="{13496EEF-CFB6-471E-9150-A66391E16C25}" dt="2020-09-27T15:48:16.279" v="4361" actId="20577"/>
-        <pc:sldMkLst>
-          <pc:docMk/>
-          <pc:sldMk cId="3058063189" sldId="268"/>
-        </pc:sldMkLst>
-        <pc:spChg chg="mod">
-          <ac:chgData name="Borislav Varadinov" userId="aeafa21bd817e69b" providerId="LiveId" clId="{13496EEF-CFB6-471E-9150-A66391E16C25}" dt="2020-09-27T15:48:06.231" v="4356" actId="20577"/>
-          <ac:spMkLst>
-            <pc:docMk/>
-            <pc:sldMk cId="3058063189" sldId="268"/>
-            <ac:spMk id="2" creationId="{DAD80CAD-D91D-47AF-B071-A34CBD821C82}"/>
-          </ac:spMkLst>
-        </pc:spChg>
-        <pc:spChg chg="mod">
-          <ac:chgData name="Borislav Varadinov" userId="aeafa21bd817e69b" providerId="LiveId" clId="{13496EEF-CFB6-471E-9150-A66391E16C25}" dt="2020-09-27T15:48:16.279" v="4361" actId="20577"/>
-          <ac:spMkLst>
-            <pc:docMk/>
-            <pc:sldMk cId="3058063189" sldId="268"/>
-            <ac:spMk id="3" creationId="{4BD1550A-18C9-40D6-823C-E7F83A63885B}"/>
-          </ac:spMkLst>
-        </pc:spChg>
-      </pc:sldChg>
-      <pc:sldChg chg="addSp modSp new mod">
-        <pc:chgData name="Borislav Varadinov" userId="aeafa21bd817e69b" providerId="LiveId" clId="{13496EEF-CFB6-471E-9150-A66391E16C25}" dt="2020-09-27T15:49:42.773" v="4406" actId="20577"/>
-        <pc:sldMkLst>
-          <pc:docMk/>
-          <pc:sldMk cId="478312940" sldId="269"/>
-        </pc:sldMkLst>
-        <pc:spChg chg="mod">
-          <ac:chgData name="Borislav Varadinov" userId="aeafa21bd817e69b" providerId="LiveId" clId="{13496EEF-CFB6-471E-9150-A66391E16C25}" dt="2020-09-27T15:49:42.773" v="4406" actId="20577"/>
-          <ac:spMkLst>
-            <pc:docMk/>
-            <pc:sldMk cId="478312940" sldId="269"/>
-            <ac:spMk id="2" creationId="{0D00BC33-6647-4DD0-9F8A-BE04FD32DEAF}"/>
-          </ac:spMkLst>
-        </pc:spChg>
-        <pc:spChg chg="mod">
-          <ac:chgData name="Borislav Varadinov" userId="aeafa21bd817e69b" providerId="LiveId" clId="{13496EEF-CFB6-471E-9150-A66391E16C25}" dt="2020-09-27T15:49:25.253" v="4379" actId="14100"/>
-          <ac:spMkLst>
-            <pc:docMk/>
-            <pc:sldMk cId="478312940" sldId="269"/>
-            <ac:spMk id="3" creationId="{6119DC40-E343-4FD6-9C59-2D03031AD4F1}"/>
-          </ac:spMkLst>
-        </pc:spChg>
-        <pc:picChg chg="add mod">
-          <ac:chgData name="Borislav Varadinov" userId="aeafa21bd817e69b" providerId="LiveId" clId="{13496EEF-CFB6-471E-9150-A66391E16C25}" dt="2020-09-27T15:49:15.278" v="4377" actId="1076"/>
-          <ac:picMkLst>
-            <pc:docMk/>
-            <pc:sldMk cId="478312940" sldId="269"/>
-            <ac:picMk id="1026" creationId="{767ACAD6-7B50-4EF9-98DB-9B4324B0ADC4}"/>
-          </ac:picMkLst>
-        </pc:picChg>
-      </pc:sldChg>
-      <pc:sldChg chg="modSp new mod">
-        <pc:chgData name="Borislav Varadinov" userId="aeafa21bd817e69b" providerId="LiveId" clId="{13496EEF-CFB6-471E-9150-A66391E16C25}" dt="2020-09-27T15:57:15.555" v="4784" actId="20577"/>
-        <pc:sldMkLst>
-          <pc:docMk/>
-          <pc:sldMk cId="4083390149" sldId="270"/>
-        </pc:sldMkLst>
-        <pc:spChg chg="mod">
-          <ac:chgData name="Borislav Varadinov" userId="aeafa21bd817e69b" providerId="LiveId" clId="{13496EEF-CFB6-471E-9150-A66391E16C25}" dt="2020-09-27T15:57:15.555" v="4784" actId="20577"/>
-          <ac:spMkLst>
-            <pc:docMk/>
-            <pc:sldMk cId="4083390149" sldId="270"/>
-            <ac:spMk id="2" creationId="{9FF8BD71-8313-4F03-B920-F56EC7CBD58E}"/>
-          </ac:spMkLst>
-        </pc:spChg>
-      </pc:sldChg>
-      <pc:sldChg chg="new ord">
-        <pc:chgData name="Borislav Varadinov" userId="aeafa21bd817e69b" providerId="LiveId" clId="{13496EEF-CFB6-471E-9150-A66391E16C25}" dt="2020-09-27T15:52:39.479" v="4434" actId="20578"/>
-        <pc:sldMkLst>
-          <pc:docMk/>
-          <pc:sldMk cId="41125430" sldId="271"/>
-        </pc:sldMkLst>
-      </pc:sldChg>
-      <pc:sldChg chg="modSp add mod ord">
-        <pc:chgData name="Borislav Varadinov" userId="aeafa21bd817e69b" providerId="LiveId" clId="{13496EEF-CFB6-471E-9150-A66391E16C25}" dt="2020-09-27T16:04:34.443" v="4990" actId="20577"/>
-        <pc:sldMkLst>
-          <pc:docMk/>
-          <pc:sldMk cId="1322632875" sldId="272"/>
-        </pc:sldMkLst>
-        <pc:spChg chg="mod">
-          <ac:chgData name="Borislav Varadinov" userId="aeafa21bd817e69b" providerId="LiveId" clId="{13496EEF-CFB6-471E-9150-A66391E16C25}" dt="2020-09-27T16:04:34.443" v="4990" actId="20577"/>
-          <ac:spMkLst>
-            <pc:docMk/>
-            <pc:sldMk cId="1322632875" sldId="272"/>
-            <ac:spMk id="2" creationId="{9FF8BD71-8313-4F03-B920-F56EC7CBD58E}"/>
-          </ac:spMkLst>
-        </pc:spChg>
-      </pc:sldChg>
-      <pc:sldChg chg="modSp add mod ord">
-        <pc:chgData name="Borislav Varadinov" userId="aeafa21bd817e69b" providerId="LiveId" clId="{13496EEF-CFB6-471E-9150-A66391E16C25}" dt="2020-09-27T15:53:37.377" v="4526" actId="20577"/>
-        <pc:sldMkLst>
-          <pc:docMk/>
-          <pc:sldMk cId="2725165327" sldId="273"/>
-        </pc:sldMkLst>
-        <pc:spChg chg="mod">
-          <ac:chgData name="Borislav Varadinov" userId="aeafa21bd817e69b" providerId="LiveId" clId="{13496EEF-CFB6-471E-9150-A66391E16C25}" dt="2020-09-27T15:53:37.377" v="4526" actId="20577"/>
-          <ac:spMkLst>
-            <pc:docMk/>
-            <pc:sldMk cId="2725165327" sldId="273"/>
-            <ac:spMk id="2" creationId="{9FF8BD71-8313-4F03-B920-F56EC7CBD58E}"/>
-          </ac:spMkLst>
-        </pc:spChg>
-      </pc:sldChg>
-      <pc:sldChg chg="new del ord">
-        <pc:chgData name="Borislav Varadinov" userId="aeafa21bd817e69b" providerId="LiveId" clId="{13496EEF-CFB6-471E-9150-A66391E16C25}" dt="2020-09-27T15:52:53.463" v="4455" actId="680"/>
-        <pc:sldMkLst>
-          <pc:docMk/>
-          <pc:sldMk cId="2933919540" sldId="273"/>
-        </pc:sldMkLst>
-      </pc:sldChg>
-      <pc:sldChg chg="modSp add mod">
-        <pc:chgData name="Borislav Varadinov" userId="aeafa21bd817e69b" providerId="LiveId" clId="{13496EEF-CFB6-471E-9150-A66391E16C25}" dt="2020-09-27T15:53:56.871" v="4561" actId="20577"/>
-        <pc:sldMkLst>
-          <pc:docMk/>
-          <pc:sldMk cId="1102968241" sldId="274"/>
-        </pc:sldMkLst>
-        <pc:spChg chg="mod">
-          <ac:chgData name="Borislav Varadinov" userId="aeafa21bd817e69b" providerId="LiveId" clId="{13496EEF-CFB6-471E-9150-A66391E16C25}" dt="2020-09-27T15:53:56.871" v="4561" actId="20577"/>
-          <ac:spMkLst>
-            <pc:docMk/>
-            <pc:sldMk cId="1102968241" sldId="274"/>
-            <ac:spMk id="2" creationId="{9FF8BD71-8313-4F03-B920-F56EC7CBD58E}"/>
-          </ac:spMkLst>
-        </pc:spChg>
-      </pc:sldChg>
-      <pc:sldChg chg="new del">
-        <pc:chgData name="Borislav Varadinov" userId="aeafa21bd817e69b" providerId="LiveId" clId="{13496EEF-CFB6-471E-9150-A66391E16C25}" dt="2020-09-27T15:53:08.860" v="4486" actId="680"/>
-        <pc:sldMkLst>
-          <pc:docMk/>
-          <pc:sldMk cId="3967904504" sldId="274"/>
-        </pc:sldMkLst>
-      </pc:sldChg>
-      <pc:sldChg chg="modSp new mod">
-        <pc:chgData name="Borislav Varadinov" userId="aeafa21bd817e69b" providerId="LiveId" clId="{13496EEF-CFB6-471E-9150-A66391E16C25}" dt="2020-09-27T15:58:13.031" v="4791" actId="20577"/>
-        <pc:sldMkLst>
-          <pc:docMk/>
-          <pc:sldMk cId="2217169747" sldId="275"/>
-        </pc:sldMkLst>
-        <pc:spChg chg="mod">
-          <ac:chgData name="Borislav Varadinov" userId="aeafa21bd817e69b" providerId="LiveId" clId="{13496EEF-CFB6-471E-9150-A66391E16C25}" dt="2020-09-27T15:55:00.422" v="4614" actId="20577"/>
-          <ac:spMkLst>
-            <pc:docMk/>
-            <pc:sldMk cId="2217169747" sldId="275"/>
-            <ac:spMk id="2" creationId="{C7EBDC98-FDDB-44CD-9C96-3606C2F9764A}"/>
-          </ac:spMkLst>
-        </pc:spChg>
-        <pc:spChg chg="mod">
-          <ac:chgData name="Borislav Varadinov" userId="aeafa21bd817e69b" providerId="LiveId" clId="{13496EEF-CFB6-471E-9150-A66391E16C25}" dt="2020-09-27T15:58:13.031" v="4791" actId="20577"/>
-          <ac:spMkLst>
-            <pc:docMk/>
-            <pc:sldMk cId="2217169747" sldId="275"/>
-            <ac:spMk id="3" creationId="{9D3809DF-873B-4C90-ACB2-F517161BE5B8}"/>
-          </ac:spMkLst>
-        </pc:spChg>
-      </pc:sldChg>
-      <pc:sldChg chg="modSp new mod">
-        <pc:chgData name="Borislav Varadinov" userId="aeafa21bd817e69b" providerId="LiveId" clId="{13496EEF-CFB6-471E-9150-A66391E16C25}" dt="2020-09-27T16:03:09.792" v="4967" actId="20577"/>
-        <pc:sldMkLst>
-          <pc:docMk/>
-          <pc:sldMk cId="1412836144" sldId="276"/>
-        </pc:sldMkLst>
-        <pc:spChg chg="mod">
-          <ac:chgData name="Borislav Varadinov" userId="aeafa21bd817e69b" providerId="LiveId" clId="{13496EEF-CFB6-471E-9150-A66391E16C25}" dt="2020-09-27T15:58:22.906" v="4805" actId="20577"/>
-          <ac:spMkLst>
-            <pc:docMk/>
-            <pc:sldMk cId="1412836144" sldId="276"/>
-            <ac:spMk id="2" creationId="{3C5FF476-73A8-45A3-AAC8-09CBB07010A7}"/>
-          </ac:spMkLst>
-        </pc:spChg>
-        <pc:spChg chg="mod">
-          <ac:chgData name="Borislav Varadinov" userId="aeafa21bd817e69b" providerId="LiveId" clId="{13496EEF-CFB6-471E-9150-A66391E16C25}" dt="2020-09-27T16:03:09.792" v="4967" actId="20577"/>
-          <ac:spMkLst>
-            <pc:docMk/>
-            <pc:sldMk cId="1412836144" sldId="276"/>
-            <ac:spMk id="3" creationId="{F61C3700-6373-42C0-838A-9AE6AEDFC085}"/>
-          </ac:spMkLst>
-        </pc:spChg>
-      </pc:sldChg>
-      <pc:sldChg chg="new del">
-        <pc:chgData name="Borislav Varadinov" userId="aeafa21bd817e69b" providerId="LiveId" clId="{13496EEF-CFB6-471E-9150-A66391E16C25}" dt="2020-09-27T16:11:08.787" v="4992" actId="680"/>
-        <pc:sldMkLst>
-          <pc:docMk/>
-          <pc:sldMk cId="1266912949" sldId="277"/>
-        </pc:sldMkLst>
-      </pc:sldChg>
-      <pc:sldChg chg="new">
-        <pc:chgData name="Borislav Varadinov" userId="aeafa21bd817e69b" providerId="LiveId" clId="{13496EEF-CFB6-471E-9150-A66391E16C25}" dt="2020-09-27T16:11:22.525" v="4993" actId="680"/>
-        <pc:sldMkLst>
-          <pc:docMk/>
-          <pc:sldMk cId="3376749113" sldId="277"/>
-        </pc:sldMkLst>
-      </pc:sldChg>
-      <pc:sldChg chg="modSp new mod">
-        <pc:chgData name="Borislav Varadinov" userId="aeafa21bd817e69b" providerId="LiveId" clId="{13496EEF-CFB6-471E-9150-A66391E16C25}" dt="2020-09-27T16:28:11.878" v="5272" actId="20577"/>
-        <pc:sldMkLst>
-          <pc:docMk/>
-          <pc:sldMk cId="1497924114" sldId="278"/>
-        </pc:sldMkLst>
-        <pc:spChg chg="mod">
-          <ac:chgData name="Borislav Varadinov" userId="aeafa21bd817e69b" providerId="LiveId" clId="{13496EEF-CFB6-471E-9150-A66391E16C25}" dt="2020-09-27T16:28:11.878" v="5272" actId="20577"/>
-          <ac:spMkLst>
-            <pc:docMk/>
-            <pc:sldMk cId="1497924114" sldId="278"/>
-            <ac:spMk id="2" creationId="{AD9CAB4D-84D2-451F-A2DF-A06E5F159643}"/>
-          </ac:spMkLst>
-        </pc:spChg>
-        <pc:spChg chg="mod">
-          <ac:chgData name="Borislav Varadinov" userId="aeafa21bd817e69b" providerId="LiveId" clId="{13496EEF-CFB6-471E-9150-A66391E16C25}" dt="2020-09-27T16:27:40.078" v="5251" actId="20577"/>
-          <ac:spMkLst>
-            <pc:docMk/>
-            <pc:sldMk cId="1497924114" sldId="278"/>
-            <ac:spMk id="3" creationId="{C6225C9C-2E26-4A4B-AEA3-7DAC509E096D}"/>
-          </ac:spMkLst>
-        </pc:spChg>
-      </pc:sldChg>
-    </pc:docChg>
-  </pc:docChgLst>
-</pc:chgInfo>
-</file>
-
 <file path=ppt/slideLayouts/slideLayout1.xml><?xml version="1.0" encoding="utf-8"?>
 <p:sldLayout xmlns:a="http://schemas.openxmlformats.org/drawingml/2006/main" xmlns:r="http://schemas.openxmlformats.org/officeDocument/2006/relationships" xmlns:p="http://schemas.openxmlformats.org/presentationml/2006/main" showMasterSp="0" type="title" preserve="1">
   <p:cSld name="Title Slide">
@@ -1892,7 +310,7 @@
           <a:p>
             <a:fld id="{9E016143-E03C-4CFD-AFDC-14E5BDEA754C}" type="datetimeFigureOut">
               <a:rPr lang="en-US" dirty="0"/>
-              <a:t>10/12/2020</a:t>
+              <a:t>10/11/2021</a:t>
             </a:fld>
             <a:endParaRPr lang="en-US" dirty="0"/>
           </a:p>
@@ -2121,7 +539,7 @@
           <a:p>
             <a:fld id="{C033E54A-A8CA-48C1-9504-691B58049D29}" type="datetimeFigureOut">
               <a:rPr lang="en-US" dirty="0"/>
-              <a:t>10/12/2020</a:t>
+              <a:t>10/11/2021</a:t>
             </a:fld>
             <a:endParaRPr lang="en-US" dirty="0"/>
           </a:p>
@@ -2301,7 +719,7 @@
           <a:p>
             <a:fld id="{B5F6C806-BBF7-471C-9527-881CE2266695}" type="datetimeFigureOut">
               <a:rPr lang="en-US" dirty="0"/>
-              <a:t>10/12/2020</a:t>
+              <a:t>10/11/2021</a:t>
             </a:fld>
             <a:endParaRPr lang="en-US" dirty="0"/>
           </a:p>
@@ -2536,7 +954,7 @@
           <a:p>
             <a:fld id="{78C94063-DF36-4330-A365-08DA1FA5B7D6}" type="datetimeFigureOut">
               <a:rPr lang="en-US" dirty="0"/>
-              <a:t>10/12/2020</a:t>
+              <a:t>10/11/2021</a:t>
             </a:fld>
             <a:endParaRPr lang="en-US" dirty="0"/>
           </a:p>
@@ -2806,7 +1224,7 @@
           <a:p>
             <a:fld id="{908A7C6C-0F39-4D70-8E8D-FE5B9C95FA73}" type="datetimeFigureOut">
               <a:rPr lang="en-US" dirty="0"/>
-              <a:t>10/12/2020</a:t>
+              <a:t>10/11/2021</a:t>
             </a:fld>
             <a:endParaRPr lang="en-US" dirty="0"/>
           </a:p>
@@ -3132,7 +1550,7 @@
           <a:p>
             <a:fld id="{DFCFA4AC-08CC-42CE-BD01-C191750A04EC}" type="datetimeFigureOut">
               <a:rPr lang="en-US" dirty="0"/>
-              <a:t>10/12/2020</a:t>
+              <a:t>10/11/2021</a:t>
             </a:fld>
             <a:endParaRPr lang="en-US" dirty="0"/>
           </a:p>
@@ -3583,7 +2001,7 @@
           <a:p>
             <a:fld id="{1BA7A723-92A7-435B-B681-F25B092FEFEB}" type="datetimeFigureOut">
               <a:rPr lang="en-US" dirty="0"/>
-              <a:t>10/12/2020</a:t>
+              <a:t>10/11/2021</a:t>
             </a:fld>
             <a:endParaRPr lang="en-US" dirty="0"/>
           </a:p>
@@ -3701,7 +2119,7 @@
           <a:p>
             <a:fld id="{4F170639-886C-4FCF-9EAB-ABB5DA3F3F4A}" type="datetimeFigureOut">
               <a:rPr lang="en-US" dirty="0"/>
-              <a:t>10/12/2020</a:t>
+              <a:t>10/11/2021</a:t>
             </a:fld>
             <a:endParaRPr lang="en-US" dirty="0"/>
           </a:p>
@@ -3796,7 +2214,7 @@
           <a:p>
             <a:fld id="{22230651-31F4-45D2-98AE-A2108F41BC07}" type="datetimeFigureOut">
               <a:rPr lang="en-US" dirty="0"/>
-              <a:t>10/12/2020</a:t>
+              <a:t>10/11/2021</a:t>
             </a:fld>
             <a:endParaRPr lang="en-US" dirty="0"/>
           </a:p>
@@ -4083,7 +2501,7 @@
           <a:p>
             <a:fld id="{6F53789A-C914-4DB1-8815-80B5EC7335C5}" type="datetimeFigureOut">
               <a:rPr lang="en-US" dirty="0"/>
-              <a:t>10/12/2020</a:t>
+              <a:t>10/11/2021</a:t>
             </a:fld>
             <a:endParaRPr lang="en-US" dirty="0"/>
           </a:p>
@@ -4405,7 +2823,7 @@
           <a:p>
             <a:fld id="{5E6440AA-91A0-436F-8FDB-C0F939DCAE21}" type="datetimeFigureOut">
               <a:rPr lang="en-US" dirty="0"/>
-              <a:t>10/12/2020</a:t>
+              <a:t>10/11/2021</a:t>
             </a:fld>
             <a:endParaRPr lang="en-US" dirty="0"/>
           </a:p>
@@ -4659,7 +3077,7 @@
           <a:p>
             <a:fld id="{0E59FD0C-5451-4CA0-86AF-E70AE3279989}" type="datetimeFigureOut">
               <a:rPr lang="en-US" dirty="0"/>
-              <a:t>10/12/2020</a:t>
+              <a:t>10/11/2021</a:t>
             </a:fld>
             <a:endParaRPr lang="en-US" dirty="0"/>
           </a:p>
@@ -5572,7 +3990,7 @@
                 </a:solidFill>
                 <a:latin typeface="Arial" panose="020B0604020202020204" pitchFamily="34" charset="0"/>
               </a:rPr>
-              <a:t>In 2019, over 261.24 million PCs were sold</a:t>
+              <a:t>In 2019, over 261.24 million PCs and laptops were sold</a:t>
             </a:r>
           </a:p>
         </p:txBody>
@@ -6070,8 +4488,13 @@
             <a:pPr lvl="1"/>
             <a:r>
               <a:rPr lang="en-US" dirty="0"/>
-              <a:t>A decade ago, it wasn’t unusual to buy software on a compact disk, floppy or cd</a:t>
-            </a:r>
+              <a:t>A decade ago, it wasn’t unusual to buy software on a floppy, compact disk or </a:t>
+            </a:r>
+            <a:r>
+              <a:rPr lang="en-US" dirty="0" err="1"/>
+              <a:t>dvd</a:t>
+            </a:r>
+            <a:endParaRPr lang="en-US" dirty="0"/>
           </a:p>
           <a:p>
             <a:pPr lvl="1"/>
@@ -9424,7 +7847,13 @@
           <a:p>
             <a:r>
               <a:rPr lang="en-US" dirty="0"/>
-              <a:t>Continuous Deployment</a:t>
+              <a:t>Continuous Delivery and Deployment</a:t>
+            </a:r>
+          </a:p>
+          <a:p>
+            <a:r>
+              <a:rPr lang="en-US" dirty="0"/>
+              <a:t>More…</a:t>
             </a:r>
           </a:p>
           <a:p>
